--- a/img/10/199/1001-bitcoin-internals/bitcoin-internals.pptx
+++ b/img/10/199/1001-bitcoin-internals/bitcoin-internals.pptx
@@ -6598,8 +6598,8 @@
         </p:nvSpPr>
         <p:spPr>
           <a:xfrm>
-            <a:off x="3155346" y="2085043"/>
-            <a:ext cx="894284" cy="276999"/>
+            <a:off x="3155346" y="2114353"/>
+            <a:ext cx="894284" cy="230832"/>
           </a:xfrm>
           <a:prstGeom prst="rect">
             <a:avLst/>
@@ -6613,13 +6613,13 @@
           <a:p>
             <a:pPr algn="r"/>
             <a:r>
-              <a:rPr lang="en-US" sz="1200" b="1" dirty="0">
+              <a:rPr lang="en-US" sz="900" b="1" dirty="0">
                 <a:latin typeface="Arial Narrow" panose="020B0606020202030204" pitchFamily="34" charset="0"/>
                 <a:ea typeface="微软雅黑" panose="020B0503020204020204" pitchFamily="34" charset="-122"/>
               </a:rPr>
               <a:t>Transaction</a:t>
             </a:r>
-            <a:endParaRPr lang="en-US" sz="1200" b="1" dirty="0"/>
+            <a:endParaRPr lang="en-US" sz="900" b="1" dirty="0"/>
           </a:p>
         </p:txBody>
       </p:sp>
@@ -6991,8 +6991,8 @@
         </p:nvSpPr>
         <p:spPr>
           <a:xfrm>
-            <a:off x="2963896" y="1628641"/>
-            <a:ext cx="1237326" cy="276999"/>
+            <a:off x="2963896" y="1657951"/>
+            <a:ext cx="1237326" cy="230832"/>
           </a:xfrm>
           <a:prstGeom prst="rect">
             <a:avLst/>
@@ -7006,13 +7006,13 @@
           <a:p>
             <a:pPr algn="r"/>
             <a:r>
-              <a:rPr lang="en-US" sz="1200" b="1" dirty="0">
+              <a:rPr lang="en-US" sz="900" b="1" dirty="0">
                 <a:latin typeface="Arial Narrow" panose="020B0606020202030204" pitchFamily="34" charset="0"/>
                 <a:ea typeface="微软雅黑" panose="020B0503020204020204" pitchFamily="34" charset="-122"/>
               </a:rPr>
               <a:t>Transaction Input</a:t>
             </a:r>
-            <a:endParaRPr lang="en-US" sz="1200" b="1" dirty="0"/>
+            <a:endParaRPr lang="en-US" sz="900" b="1" dirty="0"/>
           </a:p>
         </p:txBody>
       </p:sp>
@@ -7232,8 +7232,8 @@
         </p:nvSpPr>
         <p:spPr>
           <a:xfrm>
-            <a:off x="3893579" y="2525861"/>
-            <a:ext cx="1341522" cy="276999"/>
+            <a:off x="3893579" y="2561033"/>
+            <a:ext cx="1341522" cy="230832"/>
           </a:xfrm>
           <a:prstGeom prst="rect">
             <a:avLst/>
@@ -7247,13 +7247,13 @@
           <a:p>
             <a:pPr algn="r"/>
             <a:r>
-              <a:rPr lang="en-US" sz="1200" b="1" dirty="0">
+              <a:rPr lang="en-US" sz="900" b="1" dirty="0">
                 <a:latin typeface="Arial Narrow" panose="020B0606020202030204" pitchFamily="34" charset="0"/>
                 <a:ea typeface="微软雅黑" panose="020B0503020204020204" pitchFamily="34" charset="-122"/>
               </a:rPr>
               <a:t>Transaction Output</a:t>
             </a:r>
-            <a:endParaRPr lang="en-US" sz="1200" b="1" dirty="0"/>
+            <a:endParaRPr lang="en-US" sz="900" b="1" dirty="0"/>
           </a:p>
         </p:txBody>
       </p:sp>

--- a/img/10/199/1001-bitcoin-internals/bitcoin-internals.pptx
+++ b/img/10/199/1001-bitcoin-internals/bitcoin-internals.pptx
@@ -5,8 +5,7 @@
     <p:sldMasterId id="2147483648" r:id="rId1"/>
   </p:sldMasterIdLst>
   <p:sldIdLst>
-    <p:sldId id="256" r:id="rId2"/>
-    <p:sldId id="257" r:id="rId3"/>
+    <p:sldId id="257" r:id="rId2"/>
   </p:sldIdLst>
   <p:sldSz cx="12192000" cy="6858000"/>
   <p:notesSz cx="6858000" cy="9144000"/>
@@ -2953,2868 +2952,6 @@
           <a:chExt cx="0" cy="0"/>
         </a:xfrm>
       </p:grpSpPr>
-      <p:sp>
-        <p:nvSpPr>
-          <p:cNvPr id="10" name="Rectangle 9"/>
-          <p:cNvSpPr/>
-          <p:nvPr/>
-        </p:nvSpPr>
-        <p:spPr>
-          <a:xfrm>
-            <a:off x="2178542" y="3168172"/>
-            <a:ext cx="1427584" cy="910721"/>
-          </a:xfrm>
-          <a:prstGeom prst="rect">
-            <a:avLst/>
-          </a:prstGeom>
-          <a:solidFill>
-            <a:schemeClr val="accent2">
-              <a:alpha val="70000"/>
-            </a:schemeClr>
-          </a:solidFill>
-          <a:ln w="6350">
-            <a:prstDash val="dash"/>
-          </a:ln>
-        </p:spPr>
-        <p:style>
-          <a:lnRef idx="2">
-            <a:schemeClr val="accent1">
-              <a:shade val="50000"/>
-            </a:schemeClr>
-          </a:lnRef>
-          <a:fillRef idx="1">
-            <a:schemeClr val="accent1"/>
-          </a:fillRef>
-          <a:effectRef idx="0">
-            <a:schemeClr val="accent1"/>
-          </a:effectRef>
-          <a:fontRef idx="minor">
-            <a:schemeClr val="lt1"/>
-          </a:fontRef>
-        </p:style>
-        <p:txBody>
-          <a:bodyPr rtlCol="0" anchor="ctr"/>
-          <a:lstStyle/>
-          <a:p>
-            <a:pPr algn="ctr"/>
-            <a:endParaRPr lang="en-US"/>
-          </a:p>
-        </p:txBody>
-      </p:sp>
-      <p:sp>
-        <p:nvSpPr>
-          <p:cNvPr id="4" name="Rectangle: Rounded Corners 3"/>
-          <p:cNvSpPr/>
-          <p:nvPr/>
-        </p:nvSpPr>
-        <p:spPr>
-          <a:xfrm>
-            <a:off x="2265197" y="3610947"/>
-            <a:ext cx="1247624" cy="396509"/>
-          </a:xfrm>
-          <a:prstGeom prst="roundRect">
-            <a:avLst/>
-          </a:prstGeom>
-          <a:solidFill>
-            <a:srgbClr val="0066FF">
-              <a:alpha val="60000"/>
-            </a:srgbClr>
-          </a:solidFill>
-          <a:ln w="6350">
-            <a:solidFill>
-              <a:schemeClr val="tx1"/>
-            </a:solidFill>
-            <a:prstDash val="solid"/>
-          </a:ln>
-        </p:spPr>
-        <p:style>
-          <a:lnRef idx="2">
-            <a:schemeClr val="accent1">
-              <a:shade val="50000"/>
-            </a:schemeClr>
-          </a:lnRef>
-          <a:fillRef idx="1">
-            <a:schemeClr val="accent1"/>
-          </a:fillRef>
-          <a:effectRef idx="0">
-            <a:schemeClr val="accent1"/>
-          </a:effectRef>
-          <a:fontRef idx="minor">
-            <a:schemeClr val="lt1"/>
-          </a:fontRef>
-        </p:style>
-        <p:txBody>
-          <a:bodyPr rot="0" spcFirstLastPara="0" vertOverflow="overflow" horzOverflow="overflow" vert="horz" wrap="square" lIns="91440" tIns="45720" rIns="91440" bIns="45720" numCol="1" spcCol="0" rtlCol="0" fromWordArt="0" anchor="ctr" anchorCtr="0" forceAA="0" compatLnSpc="1">
-            <a:prstTxWarp prst="textNoShape">
-              <a:avLst/>
-            </a:prstTxWarp>
-            <a:noAutofit/>
-          </a:bodyPr>
-          <a:lstStyle/>
-          <a:p>
-            <a:pPr algn="ctr"/>
-            <a:r>
-              <a:rPr lang="zh-CN" altLang="en-US" sz="1600" dirty="0">
-                <a:latin typeface="微软雅黑" panose="020B0503020204020204" pitchFamily="34" charset="-122"/>
-                <a:ea typeface="微软雅黑" panose="020B0503020204020204" pitchFamily="34" charset="-122"/>
-              </a:rPr>
-              <a:t>数字签名</a:t>
-            </a:r>
-            <a:r>
-              <a:rPr lang="en-US" altLang="zh-CN" sz="1600" dirty="0">
-                <a:latin typeface="微软雅黑" panose="020B0503020204020204" pitchFamily="34" charset="-122"/>
-                <a:ea typeface="微软雅黑" panose="020B0503020204020204" pitchFamily="34" charset="-122"/>
-              </a:rPr>
-              <a:t>0</a:t>
-            </a:r>
-          </a:p>
-        </p:txBody>
-      </p:sp>
-      <p:sp>
-        <p:nvSpPr>
-          <p:cNvPr id="7" name="Rectangle 6"/>
-          <p:cNvSpPr/>
-          <p:nvPr/>
-        </p:nvSpPr>
-        <p:spPr>
-          <a:xfrm>
-            <a:off x="2265197" y="1632860"/>
-            <a:ext cx="1247624" cy="536307"/>
-          </a:xfrm>
-          <a:prstGeom prst="rect">
-            <a:avLst/>
-          </a:prstGeom>
-          <a:solidFill>
-            <a:schemeClr val="accent6">
-              <a:lumMod val="20000"/>
-              <a:lumOff val="80000"/>
-              <a:alpha val="80000"/>
-            </a:schemeClr>
-          </a:solidFill>
-          <a:ln w="6350">
-            <a:solidFill>
-              <a:schemeClr val="tx1"/>
-            </a:solidFill>
-            <a:prstDash val="dash"/>
-          </a:ln>
-        </p:spPr>
-        <p:style>
-          <a:lnRef idx="2">
-            <a:schemeClr val="accent1">
-              <a:shade val="50000"/>
-            </a:schemeClr>
-          </a:lnRef>
-          <a:fillRef idx="1">
-            <a:schemeClr val="accent1"/>
-          </a:fillRef>
-          <a:effectRef idx="0">
-            <a:schemeClr val="accent1"/>
-          </a:effectRef>
-          <a:fontRef idx="minor">
-            <a:schemeClr val="lt1"/>
-          </a:fontRef>
-        </p:style>
-        <p:txBody>
-          <a:bodyPr rtlCol="0" anchor="ctr"/>
-          <a:lstStyle/>
-          <a:p>
-            <a:pPr algn="ctr"/>
-            <a:r>
-              <a:rPr lang="en-US" sz="1600" dirty="0">
-                <a:solidFill>
-                  <a:schemeClr val="tx1"/>
-                </a:solidFill>
-                <a:latin typeface="微软雅黑" panose="020B0503020204020204" pitchFamily="34" charset="-122"/>
-                <a:ea typeface="微软雅黑" panose="020B0503020204020204" pitchFamily="34" charset="-122"/>
-              </a:rPr>
-              <a:t>Owner 1</a:t>
-            </a:r>
-          </a:p>
-          <a:p>
-            <a:pPr algn="ctr"/>
-            <a:r>
-              <a:rPr lang="zh-CN" altLang="en-US" sz="1600" dirty="0">
-                <a:solidFill>
-                  <a:schemeClr val="tx1"/>
-                </a:solidFill>
-                <a:latin typeface="微软雅黑" panose="020B0503020204020204" pitchFamily="34" charset="-122"/>
-                <a:ea typeface="微软雅黑" panose="020B0503020204020204" pitchFamily="34" charset="-122"/>
-              </a:rPr>
-              <a:t>公钥</a:t>
-            </a:r>
-            <a:endParaRPr lang="en-US" sz="1600" dirty="0">
-              <a:solidFill>
-                <a:schemeClr val="tx1"/>
-              </a:solidFill>
-              <a:latin typeface="微软雅黑" panose="020B0503020204020204" pitchFamily="34" charset="-122"/>
-              <a:ea typeface="微软雅黑" panose="020B0503020204020204" pitchFamily="34" charset="-122"/>
-            </a:endParaRPr>
-          </a:p>
-        </p:txBody>
-      </p:sp>
-      <p:sp>
-        <p:nvSpPr>
-          <p:cNvPr id="8" name="Rectangle 7"/>
-          <p:cNvSpPr/>
-          <p:nvPr/>
-        </p:nvSpPr>
-        <p:spPr>
-          <a:xfrm>
-            <a:off x="2265197" y="4581874"/>
-            <a:ext cx="1247624" cy="536307"/>
-          </a:xfrm>
-          <a:prstGeom prst="rect">
-            <a:avLst/>
-          </a:prstGeom>
-          <a:solidFill>
-            <a:srgbClr val="92D050">
-              <a:alpha val="80000"/>
-            </a:srgbClr>
-          </a:solidFill>
-          <a:ln w="6350">
-            <a:solidFill>
-              <a:schemeClr val="tx1"/>
-            </a:solidFill>
-            <a:prstDash val="dash"/>
-          </a:ln>
-        </p:spPr>
-        <p:style>
-          <a:lnRef idx="2">
-            <a:schemeClr val="accent1">
-              <a:shade val="50000"/>
-            </a:schemeClr>
-          </a:lnRef>
-          <a:fillRef idx="1">
-            <a:schemeClr val="accent1"/>
-          </a:fillRef>
-          <a:effectRef idx="0">
-            <a:schemeClr val="accent1"/>
-          </a:effectRef>
-          <a:fontRef idx="minor">
-            <a:schemeClr val="lt1"/>
-          </a:fontRef>
-        </p:style>
-        <p:txBody>
-          <a:bodyPr rtlCol="0" anchor="ctr"/>
-          <a:lstStyle/>
-          <a:p>
-            <a:pPr algn="ctr"/>
-            <a:r>
-              <a:rPr lang="en-US" sz="1600" dirty="0">
-                <a:solidFill>
-                  <a:schemeClr val="tx1"/>
-                </a:solidFill>
-                <a:latin typeface="微软雅黑" panose="020B0503020204020204" pitchFamily="34" charset="-122"/>
-                <a:ea typeface="微软雅黑" panose="020B0503020204020204" pitchFamily="34" charset="-122"/>
-              </a:rPr>
-              <a:t>Owner 1</a:t>
-            </a:r>
-          </a:p>
-          <a:p>
-            <a:pPr algn="ctr"/>
-            <a:r>
-              <a:rPr lang="zh-CN" altLang="en-US" sz="1600" dirty="0">
-                <a:solidFill>
-                  <a:schemeClr val="tx1"/>
-                </a:solidFill>
-                <a:latin typeface="微软雅黑" panose="020B0503020204020204" pitchFamily="34" charset="-122"/>
-                <a:ea typeface="微软雅黑" panose="020B0503020204020204" pitchFamily="34" charset="-122"/>
-              </a:rPr>
-              <a:t>私钥</a:t>
-            </a:r>
-            <a:endParaRPr lang="en-US" sz="1600" dirty="0">
-              <a:solidFill>
-                <a:schemeClr val="tx1"/>
-              </a:solidFill>
-              <a:latin typeface="微软雅黑" panose="020B0503020204020204" pitchFamily="34" charset="-122"/>
-              <a:ea typeface="微软雅黑" panose="020B0503020204020204" pitchFamily="34" charset="-122"/>
-            </a:endParaRPr>
-          </a:p>
-        </p:txBody>
-      </p:sp>
-      <p:sp>
-        <p:nvSpPr>
-          <p:cNvPr id="12" name="Rectangle 11"/>
-          <p:cNvSpPr/>
-          <p:nvPr/>
-        </p:nvSpPr>
-        <p:spPr>
-          <a:xfrm>
-            <a:off x="2038583" y="1101012"/>
-            <a:ext cx="1698172" cy="3116420"/>
-          </a:xfrm>
-          <a:prstGeom prst="rect">
-            <a:avLst/>
-          </a:prstGeom>
-          <a:noFill/>
-          <a:ln w="6350">
-            <a:prstDash val="dash"/>
-          </a:ln>
-        </p:spPr>
-        <p:style>
-          <a:lnRef idx="2">
-            <a:schemeClr val="accent1">
-              <a:shade val="50000"/>
-            </a:schemeClr>
-          </a:lnRef>
-          <a:fillRef idx="1">
-            <a:schemeClr val="accent1"/>
-          </a:fillRef>
-          <a:effectRef idx="0">
-            <a:schemeClr val="accent1"/>
-          </a:effectRef>
-          <a:fontRef idx="minor">
-            <a:schemeClr val="lt1"/>
-          </a:fontRef>
-        </p:style>
-        <p:txBody>
-          <a:bodyPr rtlCol="0" anchor="ctr"/>
-          <a:lstStyle/>
-          <a:p>
-            <a:pPr algn="ctr"/>
-            <a:endParaRPr lang="en-US"/>
-          </a:p>
-        </p:txBody>
-      </p:sp>
-      <p:sp>
-        <p:nvSpPr>
-          <p:cNvPr id="13" name="TextBox 12"/>
-          <p:cNvSpPr txBox="1"/>
-          <p:nvPr/>
-        </p:nvSpPr>
-        <p:spPr>
-          <a:xfrm>
-            <a:off x="2585484" y="1203780"/>
-            <a:ext cx="595035" cy="338554"/>
-          </a:xfrm>
-          <a:prstGeom prst="rect">
-            <a:avLst/>
-          </a:prstGeom>
-          <a:noFill/>
-        </p:spPr>
-        <p:txBody>
-          <a:bodyPr wrap="none" rtlCol="0">
-            <a:spAutoFit/>
-          </a:bodyPr>
-          <a:lstStyle/>
-          <a:p>
-            <a:r>
-              <a:rPr lang="zh-CN" altLang="en-US" sz="1600" dirty="0">
-                <a:latin typeface="微软雅黑" panose="020B0503020204020204" pitchFamily="34" charset="-122"/>
-                <a:ea typeface="微软雅黑" panose="020B0503020204020204" pitchFamily="34" charset="-122"/>
-              </a:rPr>
-              <a:t>交易</a:t>
-            </a:r>
-            <a:endParaRPr lang="en-US" sz="1600" dirty="0">
-              <a:latin typeface="微软雅黑" panose="020B0503020204020204" pitchFamily="34" charset="-122"/>
-              <a:ea typeface="微软雅黑" panose="020B0503020204020204" pitchFamily="34" charset="-122"/>
-            </a:endParaRPr>
-          </a:p>
-        </p:txBody>
-      </p:sp>
-      <p:sp>
-        <p:nvSpPr>
-          <p:cNvPr id="14" name="Rectangle 13"/>
-          <p:cNvSpPr/>
-          <p:nvPr/>
-        </p:nvSpPr>
-        <p:spPr>
-          <a:xfrm>
-            <a:off x="4668416" y="3168172"/>
-            <a:ext cx="1427584" cy="910721"/>
-          </a:xfrm>
-          <a:prstGeom prst="rect">
-            <a:avLst/>
-          </a:prstGeom>
-          <a:solidFill>
-            <a:schemeClr val="accent2">
-              <a:alpha val="70000"/>
-            </a:schemeClr>
-          </a:solidFill>
-          <a:ln w="6350">
-            <a:prstDash val="dash"/>
-          </a:ln>
-        </p:spPr>
-        <p:style>
-          <a:lnRef idx="2">
-            <a:schemeClr val="accent1">
-              <a:shade val="50000"/>
-            </a:schemeClr>
-          </a:lnRef>
-          <a:fillRef idx="1">
-            <a:schemeClr val="accent1"/>
-          </a:fillRef>
-          <a:effectRef idx="0">
-            <a:schemeClr val="accent1"/>
-          </a:effectRef>
-          <a:fontRef idx="minor">
-            <a:schemeClr val="lt1"/>
-          </a:fontRef>
-        </p:style>
-        <p:txBody>
-          <a:bodyPr rot="0" spcFirstLastPara="0" vertOverflow="overflow" horzOverflow="overflow" vert="horz" wrap="square" lIns="91440" tIns="45720" rIns="91440" bIns="45720" numCol="1" spcCol="0" rtlCol="0" fromWordArt="0" anchor="ctr" anchorCtr="0" forceAA="0" compatLnSpc="1">
-            <a:prstTxWarp prst="textNoShape">
-              <a:avLst/>
-            </a:prstTxWarp>
-            <a:noAutofit/>
-          </a:bodyPr>
-          <a:lstStyle/>
-          <a:p>
-            <a:pPr algn="ctr"/>
-            <a:endParaRPr lang="en-US"/>
-          </a:p>
-        </p:txBody>
-      </p:sp>
-      <p:sp>
-        <p:nvSpPr>
-          <p:cNvPr id="15" name="Rectangle: Rounded Corners 14"/>
-          <p:cNvSpPr/>
-          <p:nvPr/>
-        </p:nvSpPr>
-        <p:spPr>
-          <a:xfrm>
-            <a:off x="4755071" y="3610947"/>
-            <a:ext cx="1247624" cy="396509"/>
-          </a:xfrm>
-          <a:prstGeom prst="roundRect">
-            <a:avLst/>
-          </a:prstGeom>
-          <a:solidFill>
-            <a:srgbClr val="0066FF">
-              <a:alpha val="60000"/>
-            </a:srgbClr>
-          </a:solidFill>
-          <a:ln w="6350">
-            <a:solidFill>
-              <a:schemeClr val="tx1"/>
-            </a:solidFill>
-            <a:prstDash val="solid"/>
-          </a:ln>
-        </p:spPr>
-        <p:style>
-          <a:lnRef idx="2">
-            <a:schemeClr val="accent1">
-              <a:shade val="50000"/>
-            </a:schemeClr>
-          </a:lnRef>
-          <a:fillRef idx="1">
-            <a:schemeClr val="accent1"/>
-          </a:fillRef>
-          <a:effectRef idx="0">
-            <a:schemeClr val="accent1"/>
-          </a:effectRef>
-          <a:fontRef idx="minor">
-            <a:schemeClr val="lt1"/>
-          </a:fontRef>
-        </p:style>
-        <p:txBody>
-          <a:bodyPr rot="0" spcFirstLastPara="0" vertOverflow="overflow" horzOverflow="overflow" vert="horz" wrap="square" lIns="91440" tIns="45720" rIns="91440" bIns="45720" numCol="1" spcCol="0" rtlCol="0" fromWordArt="0" anchor="ctr" anchorCtr="0" forceAA="0" compatLnSpc="1">
-            <a:prstTxWarp prst="textNoShape">
-              <a:avLst/>
-            </a:prstTxWarp>
-            <a:noAutofit/>
-          </a:bodyPr>
-          <a:lstStyle/>
-          <a:p>
-            <a:pPr algn="ctr"/>
-            <a:r>
-              <a:rPr lang="zh-CN" altLang="en-US" sz="1600" dirty="0">
-                <a:latin typeface="微软雅黑" panose="020B0503020204020204" pitchFamily="34" charset="-122"/>
-                <a:ea typeface="微软雅黑" panose="020B0503020204020204" pitchFamily="34" charset="-122"/>
-              </a:rPr>
-              <a:t>数字签名</a:t>
-            </a:r>
-            <a:r>
-              <a:rPr lang="en-US" altLang="zh-CN" sz="1600" dirty="0">
-                <a:latin typeface="微软雅黑" panose="020B0503020204020204" pitchFamily="34" charset="-122"/>
-                <a:ea typeface="微软雅黑" panose="020B0503020204020204" pitchFamily="34" charset="-122"/>
-              </a:rPr>
-              <a:t>1</a:t>
-            </a:r>
-          </a:p>
-        </p:txBody>
-      </p:sp>
-      <p:sp>
-        <p:nvSpPr>
-          <p:cNvPr id="16" name="Rectangle 15"/>
-          <p:cNvSpPr/>
-          <p:nvPr/>
-        </p:nvSpPr>
-        <p:spPr>
-          <a:xfrm>
-            <a:off x="4755071" y="1632860"/>
-            <a:ext cx="1247624" cy="536307"/>
-          </a:xfrm>
-          <a:prstGeom prst="rect">
-            <a:avLst/>
-          </a:prstGeom>
-          <a:solidFill>
-            <a:schemeClr val="accent6">
-              <a:lumMod val="20000"/>
-              <a:lumOff val="80000"/>
-              <a:alpha val="80000"/>
-            </a:schemeClr>
-          </a:solidFill>
-          <a:ln w="6350">
-            <a:solidFill>
-              <a:schemeClr val="tx1"/>
-            </a:solidFill>
-            <a:prstDash val="dash"/>
-          </a:ln>
-        </p:spPr>
-        <p:style>
-          <a:lnRef idx="2">
-            <a:schemeClr val="accent1">
-              <a:shade val="50000"/>
-            </a:schemeClr>
-          </a:lnRef>
-          <a:fillRef idx="1">
-            <a:schemeClr val="accent1"/>
-          </a:fillRef>
-          <a:effectRef idx="0">
-            <a:schemeClr val="accent1"/>
-          </a:effectRef>
-          <a:fontRef idx="minor">
-            <a:schemeClr val="lt1"/>
-          </a:fontRef>
-        </p:style>
-        <p:txBody>
-          <a:bodyPr rot="0" spcFirstLastPara="0" vertOverflow="overflow" horzOverflow="overflow" vert="horz" wrap="square" lIns="91440" tIns="45720" rIns="91440" bIns="45720" numCol="1" spcCol="0" rtlCol="0" fromWordArt="0" anchor="ctr" anchorCtr="0" forceAA="0" compatLnSpc="1">
-            <a:prstTxWarp prst="textNoShape">
-              <a:avLst/>
-            </a:prstTxWarp>
-            <a:noAutofit/>
-          </a:bodyPr>
-          <a:lstStyle/>
-          <a:p>
-            <a:pPr algn="ctr"/>
-            <a:r>
-              <a:rPr lang="en-US" sz="1600" dirty="0">
-                <a:solidFill>
-                  <a:schemeClr val="tx1"/>
-                </a:solidFill>
-                <a:latin typeface="微软雅黑" panose="020B0503020204020204" pitchFamily="34" charset="-122"/>
-                <a:ea typeface="微软雅黑" panose="020B0503020204020204" pitchFamily="34" charset="-122"/>
-              </a:rPr>
-              <a:t>Owner 2</a:t>
-            </a:r>
-          </a:p>
-          <a:p>
-            <a:pPr algn="ctr"/>
-            <a:r>
-              <a:rPr lang="zh-CN" altLang="en-US" sz="1600" dirty="0">
-                <a:solidFill>
-                  <a:schemeClr val="tx1"/>
-                </a:solidFill>
-                <a:latin typeface="微软雅黑" panose="020B0503020204020204" pitchFamily="34" charset="-122"/>
-                <a:ea typeface="微软雅黑" panose="020B0503020204020204" pitchFamily="34" charset="-122"/>
-              </a:rPr>
-              <a:t>公钥</a:t>
-            </a:r>
-            <a:endParaRPr lang="en-US" sz="1600" dirty="0">
-              <a:solidFill>
-                <a:schemeClr val="tx1"/>
-              </a:solidFill>
-              <a:latin typeface="微软雅黑" panose="020B0503020204020204" pitchFamily="34" charset="-122"/>
-              <a:ea typeface="微软雅黑" panose="020B0503020204020204" pitchFamily="34" charset="-122"/>
-            </a:endParaRPr>
-          </a:p>
-        </p:txBody>
-      </p:sp>
-      <p:sp>
-        <p:nvSpPr>
-          <p:cNvPr id="17" name="Rectangle 16"/>
-          <p:cNvSpPr/>
-          <p:nvPr/>
-        </p:nvSpPr>
-        <p:spPr>
-          <a:xfrm>
-            <a:off x="4755071" y="4581874"/>
-            <a:ext cx="1247624" cy="536307"/>
-          </a:xfrm>
-          <a:prstGeom prst="rect">
-            <a:avLst/>
-          </a:prstGeom>
-          <a:solidFill>
-            <a:srgbClr val="92D050">
-              <a:alpha val="80000"/>
-            </a:srgbClr>
-          </a:solidFill>
-          <a:ln w="6350">
-            <a:solidFill>
-              <a:schemeClr val="tx1"/>
-            </a:solidFill>
-            <a:prstDash val="dash"/>
-          </a:ln>
-        </p:spPr>
-        <p:style>
-          <a:lnRef idx="2">
-            <a:schemeClr val="accent1">
-              <a:shade val="50000"/>
-            </a:schemeClr>
-          </a:lnRef>
-          <a:fillRef idx="1">
-            <a:schemeClr val="accent1"/>
-          </a:fillRef>
-          <a:effectRef idx="0">
-            <a:schemeClr val="accent1"/>
-          </a:effectRef>
-          <a:fontRef idx="minor">
-            <a:schemeClr val="lt1"/>
-          </a:fontRef>
-        </p:style>
-        <p:txBody>
-          <a:bodyPr rot="0" spcFirstLastPara="0" vertOverflow="overflow" horzOverflow="overflow" vert="horz" wrap="square" lIns="91440" tIns="45720" rIns="91440" bIns="45720" numCol="1" spcCol="0" rtlCol="0" fromWordArt="0" anchor="ctr" anchorCtr="0" forceAA="0" compatLnSpc="1">
-            <a:prstTxWarp prst="textNoShape">
-              <a:avLst/>
-            </a:prstTxWarp>
-            <a:noAutofit/>
-          </a:bodyPr>
-          <a:lstStyle/>
-          <a:p>
-            <a:pPr algn="ctr"/>
-            <a:r>
-              <a:rPr lang="en-US" sz="1600" dirty="0">
-                <a:solidFill>
-                  <a:schemeClr val="tx1"/>
-                </a:solidFill>
-                <a:latin typeface="微软雅黑" panose="020B0503020204020204" pitchFamily="34" charset="-122"/>
-                <a:ea typeface="微软雅黑" panose="020B0503020204020204" pitchFamily="34" charset="-122"/>
-              </a:rPr>
-              <a:t>Owner 2</a:t>
-            </a:r>
-          </a:p>
-          <a:p>
-            <a:pPr algn="ctr"/>
-            <a:r>
-              <a:rPr lang="zh-CN" altLang="en-US" sz="1600" dirty="0">
-                <a:solidFill>
-                  <a:schemeClr val="tx1"/>
-                </a:solidFill>
-                <a:latin typeface="微软雅黑" panose="020B0503020204020204" pitchFamily="34" charset="-122"/>
-                <a:ea typeface="微软雅黑" panose="020B0503020204020204" pitchFamily="34" charset="-122"/>
-              </a:rPr>
-              <a:t>私钥</a:t>
-            </a:r>
-            <a:endParaRPr lang="en-US" sz="1600" dirty="0">
-              <a:solidFill>
-                <a:schemeClr val="tx1"/>
-              </a:solidFill>
-              <a:latin typeface="微软雅黑" panose="020B0503020204020204" pitchFamily="34" charset="-122"/>
-              <a:ea typeface="微软雅黑" panose="020B0503020204020204" pitchFamily="34" charset="-122"/>
-            </a:endParaRPr>
-          </a:p>
-        </p:txBody>
-      </p:sp>
-      <p:sp>
-        <p:nvSpPr>
-          <p:cNvPr id="18" name="Rectangle 17"/>
-          <p:cNvSpPr/>
-          <p:nvPr/>
-        </p:nvSpPr>
-        <p:spPr>
-          <a:xfrm>
-            <a:off x="5021936" y="2525838"/>
-            <a:ext cx="715778" cy="346038"/>
-          </a:xfrm>
-          <a:prstGeom prst="rect">
-            <a:avLst/>
-          </a:prstGeom>
-          <a:solidFill>
-            <a:schemeClr val="tx1">
-              <a:alpha val="40000"/>
-            </a:schemeClr>
-          </a:solidFill>
-          <a:ln w="6350">
-            <a:solidFill>
-              <a:schemeClr val="tx1"/>
-            </a:solidFill>
-            <a:prstDash val="dash"/>
-          </a:ln>
-        </p:spPr>
-        <p:style>
-          <a:lnRef idx="2">
-            <a:schemeClr val="accent1">
-              <a:shade val="50000"/>
-            </a:schemeClr>
-          </a:lnRef>
-          <a:fillRef idx="1">
-            <a:schemeClr val="accent1"/>
-          </a:fillRef>
-          <a:effectRef idx="0">
-            <a:schemeClr val="accent1"/>
-          </a:effectRef>
-          <a:fontRef idx="minor">
-            <a:schemeClr val="lt1"/>
-          </a:fontRef>
-        </p:style>
-        <p:txBody>
-          <a:bodyPr rtlCol="0" anchor="ctr"/>
-          <a:lstStyle/>
-          <a:p>
-            <a:pPr algn="ctr"/>
-            <a:r>
-              <a:rPr lang="en-US" sz="1600" dirty="0">
-                <a:latin typeface="微软雅黑" panose="020B0503020204020204" pitchFamily="34" charset="-122"/>
-                <a:ea typeface="微软雅黑" panose="020B0503020204020204" pitchFamily="34" charset="-122"/>
-              </a:rPr>
-              <a:t>Hash</a:t>
-            </a:r>
-          </a:p>
-        </p:txBody>
-      </p:sp>
-      <p:sp>
-        <p:nvSpPr>
-          <p:cNvPr id="20" name="Rectangle 19"/>
-          <p:cNvSpPr/>
-          <p:nvPr/>
-        </p:nvSpPr>
-        <p:spPr>
-          <a:xfrm>
-            <a:off x="4528457" y="1101012"/>
-            <a:ext cx="1698172" cy="3116420"/>
-          </a:xfrm>
-          <a:prstGeom prst="rect">
-            <a:avLst/>
-          </a:prstGeom>
-          <a:noFill/>
-          <a:ln w="6350">
-            <a:prstDash val="dash"/>
-          </a:ln>
-        </p:spPr>
-        <p:style>
-          <a:lnRef idx="2">
-            <a:schemeClr val="accent1">
-              <a:shade val="50000"/>
-            </a:schemeClr>
-          </a:lnRef>
-          <a:fillRef idx="1">
-            <a:schemeClr val="accent1"/>
-          </a:fillRef>
-          <a:effectRef idx="0">
-            <a:schemeClr val="accent1"/>
-          </a:effectRef>
-          <a:fontRef idx="minor">
-            <a:schemeClr val="lt1"/>
-          </a:fontRef>
-        </p:style>
-        <p:txBody>
-          <a:bodyPr rtlCol="0" anchor="ctr"/>
-          <a:lstStyle/>
-          <a:p>
-            <a:pPr algn="ctr"/>
-            <a:endParaRPr lang="en-US"/>
-          </a:p>
-        </p:txBody>
-      </p:sp>
-      <p:sp>
-        <p:nvSpPr>
-          <p:cNvPr id="21" name="TextBox 20"/>
-          <p:cNvSpPr txBox="1"/>
-          <p:nvPr/>
-        </p:nvSpPr>
-        <p:spPr>
-          <a:xfrm>
-            <a:off x="5075358" y="1203780"/>
-            <a:ext cx="595035" cy="338554"/>
-          </a:xfrm>
-          <a:prstGeom prst="rect">
-            <a:avLst/>
-          </a:prstGeom>
-          <a:noFill/>
-        </p:spPr>
-        <p:txBody>
-          <a:bodyPr wrap="none" rtlCol="0">
-            <a:spAutoFit/>
-          </a:bodyPr>
-          <a:lstStyle/>
-          <a:p>
-            <a:r>
-              <a:rPr lang="zh-CN" altLang="en-US" sz="1600" dirty="0">
-                <a:latin typeface="微软雅黑" panose="020B0503020204020204" pitchFamily="34" charset="-122"/>
-                <a:ea typeface="微软雅黑" panose="020B0503020204020204" pitchFamily="34" charset="-122"/>
-              </a:rPr>
-              <a:t>交易</a:t>
-            </a:r>
-            <a:endParaRPr lang="en-US" sz="1600" dirty="0">
-              <a:latin typeface="微软雅黑" panose="020B0503020204020204" pitchFamily="34" charset="-122"/>
-              <a:ea typeface="微软雅黑" panose="020B0503020204020204" pitchFamily="34" charset="-122"/>
-            </a:endParaRPr>
-          </a:p>
-        </p:txBody>
-      </p:sp>
-      <p:sp>
-        <p:nvSpPr>
-          <p:cNvPr id="30" name="Oval 29"/>
-          <p:cNvSpPr/>
-          <p:nvPr/>
-        </p:nvSpPr>
-        <p:spPr>
-          <a:xfrm>
-            <a:off x="5421094" y="2530288"/>
-            <a:ext cx="108000" cy="108000"/>
-          </a:xfrm>
-          <a:prstGeom prst="ellipse">
-            <a:avLst/>
-          </a:prstGeom>
-          <a:noFill/>
-          <a:ln>
-            <a:noFill/>
-          </a:ln>
-        </p:spPr>
-        <p:style>
-          <a:lnRef idx="2">
-            <a:schemeClr val="accent1">
-              <a:shade val="50000"/>
-            </a:schemeClr>
-          </a:lnRef>
-          <a:fillRef idx="1">
-            <a:schemeClr val="accent1"/>
-          </a:fillRef>
-          <a:effectRef idx="0">
-            <a:schemeClr val="accent1"/>
-          </a:effectRef>
-          <a:fontRef idx="minor">
-            <a:schemeClr val="lt1"/>
-          </a:fontRef>
-        </p:style>
-        <p:txBody>
-          <a:bodyPr rtlCol="0" anchor="ctr"/>
-          <a:lstStyle/>
-          <a:p>
-            <a:pPr algn="ctr"/>
-            <a:endParaRPr lang="en-US"/>
-          </a:p>
-        </p:txBody>
-      </p:sp>
-      <p:cxnSp>
-        <p:nvCxnSpPr>
-          <p:cNvPr id="32" name="Connector: Elbow 31"/>
-          <p:cNvCxnSpPr>
-            <a:cxnSpLocks/>
-            <a:stCxn id="74" idx="4"/>
-            <a:endCxn id="30" idx="0"/>
-          </p:cNvCxnSpPr>
-          <p:nvPr/>
-        </p:nvCxnSpPr>
-        <p:spPr>
-          <a:xfrm rot="16200000" flipH="1">
-            <a:off x="5295505" y="2350699"/>
-            <a:ext cx="358384" cy="794"/>
-          </a:xfrm>
-          <a:prstGeom prst="bentConnector3">
-            <a:avLst>
-              <a:gd name="adj1" fmla="val 50000"/>
-            </a:avLst>
-          </a:prstGeom>
-          <a:ln w="12700">
-            <a:solidFill>
-              <a:srgbClr val="FF0000">
-                <a:alpha val="70000"/>
-              </a:srgbClr>
-            </a:solidFill>
-            <a:prstDash val="sysDash"/>
-            <a:headEnd w="lg" len="med"/>
-            <a:tailEnd type="arrow"/>
-          </a:ln>
-        </p:spPr>
-        <p:style>
-          <a:lnRef idx="1">
-            <a:schemeClr val="accent1"/>
-          </a:lnRef>
-          <a:fillRef idx="0">
-            <a:schemeClr val="accent1"/>
-          </a:fillRef>
-          <a:effectRef idx="0">
-            <a:schemeClr val="accent1"/>
-          </a:effectRef>
-          <a:fontRef idx="minor">
-            <a:schemeClr val="tx1"/>
-          </a:fontRef>
-        </p:style>
-      </p:cxnSp>
-      <p:cxnSp>
-        <p:nvCxnSpPr>
-          <p:cNvPr id="37" name="Connector: Elbow 36"/>
-          <p:cNvCxnSpPr>
-            <a:cxnSpLocks/>
-            <a:endCxn id="50" idx="0"/>
-          </p:cNvCxnSpPr>
-          <p:nvPr/>
-        </p:nvCxnSpPr>
-        <p:spPr>
-          <a:xfrm>
-            <a:off x="3736755" y="2348349"/>
-            <a:ext cx="1561690" cy="180835"/>
-          </a:xfrm>
-          <a:prstGeom prst="bentConnector2">
-            <a:avLst/>
-          </a:prstGeom>
-          <a:ln w="12700">
-            <a:solidFill>
-              <a:srgbClr val="FF0000">
-                <a:alpha val="70000"/>
-              </a:srgbClr>
-            </a:solidFill>
-            <a:prstDash val="sysDash"/>
-            <a:round/>
-            <a:headEnd w="lg" len="med"/>
-            <a:tailEnd type="arrow"/>
-          </a:ln>
-        </p:spPr>
-        <p:style>
-          <a:lnRef idx="1">
-            <a:schemeClr val="accent1"/>
-          </a:lnRef>
-          <a:fillRef idx="0">
-            <a:schemeClr val="accent1"/>
-          </a:fillRef>
-          <a:effectRef idx="0">
-            <a:schemeClr val="accent1"/>
-          </a:effectRef>
-          <a:fontRef idx="minor">
-            <a:schemeClr val="tx1"/>
-          </a:fontRef>
-        </p:style>
-      </p:cxnSp>
-      <p:cxnSp>
-        <p:nvCxnSpPr>
-          <p:cNvPr id="41" name="Connector: Elbow 40"/>
-          <p:cNvCxnSpPr>
-            <a:cxnSpLocks/>
-            <a:stCxn id="58" idx="4"/>
-            <a:endCxn id="60" idx="0"/>
-          </p:cNvCxnSpPr>
-          <p:nvPr/>
-        </p:nvCxnSpPr>
-        <p:spPr>
-          <a:xfrm rot="16200000" flipH="1">
-            <a:off x="5115661" y="3243335"/>
-            <a:ext cx="729984" cy="13"/>
-          </a:xfrm>
-          <a:prstGeom prst="bentConnector3">
-            <a:avLst>
-              <a:gd name="adj1" fmla="val 50000"/>
-            </a:avLst>
-          </a:prstGeom>
-          <a:ln w="12700">
-            <a:solidFill>
-              <a:srgbClr val="FF0000">
-                <a:alpha val="70000"/>
-              </a:srgbClr>
-            </a:solidFill>
-            <a:prstDash val="sysDash"/>
-            <a:headEnd w="lg" len="med"/>
-            <a:tailEnd type="arrow"/>
-          </a:ln>
-        </p:spPr>
-        <p:style>
-          <a:lnRef idx="1">
-            <a:schemeClr val="accent1"/>
-          </a:lnRef>
-          <a:fillRef idx="0">
-            <a:schemeClr val="accent1"/>
-          </a:fillRef>
-          <a:effectRef idx="0">
-            <a:schemeClr val="accent1"/>
-          </a:effectRef>
-          <a:fontRef idx="minor">
-            <a:schemeClr val="tx1"/>
-          </a:fontRef>
-        </p:style>
-      </p:cxnSp>
-      <p:sp>
-        <p:nvSpPr>
-          <p:cNvPr id="50" name="Oval 49"/>
-          <p:cNvSpPr/>
-          <p:nvPr/>
-        </p:nvSpPr>
-        <p:spPr>
-          <a:xfrm>
-            <a:off x="5244445" y="2529184"/>
-            <a:ext cx="108000" cy="108000"/>
-          </a:xfrm>
-          <a:prstGeom prst="ellipse">
-            <a:avLst/>
-          </a:prstGeom>
-          <a:noFill/>
-          <a:ln>
-            <a:noFill/>
-          </a:ln>
-        </p:spPr>
-        <p:style>
-          <a:lnRef idx="2">
-            <a:schemeClr val="accent1">
-              <a:shade val="50000"/>
-            </a:schemeClr>
-          </a:lnRef>
-          <a:fillRef idx="1">
-            <a:schemeClr val="accent1"/>
-          </a:fillRef>
-          <a:effectRef idx="0">
-            <a:schemeClr val="accent1"/>
-          </a:effectRef>
-          <a:fontRef idx="minor">
-            <a:schemeClr val="lt1"/>
-          </a:fontRef>
-        </p:style>
-        <p:txBody>
-          <a:bodyPr rtlCol="0" anchor="ctr"/>
-          <a:lstStyle/>
-          <a:p>
-            <a:pPr algn="ctr"/>
-            <a:endParaRPr lang="en-US"/>
-          </a:p>
-        </p:txBody>
-      </p:sp>
-      <p:sp>
-        <p:nvSpPr>
-          <p:cNvPr id="58" name="Oval 57"/>
-          <p:cNvSpPr/>
-          <p:nvPr/>
-        </p:nvSpPr>
-        <p:spPr>
-          <a:xfrm>
-            <a:off x="5426647" y="2770350"/>
-            <a:ext cx="108000" cy="108000"/>
-          </a:xfrm>
-          <a:prstGeom prst="ellipse">
-            <a:avLst/>
-          </a:prstGeom>
-          <a:noFill/>
-          <a:ln>
-            <a:noFill/>
-          </a:ln>
-        </p:spPr>
-        <p:style>
-          <a:lnRef idx="2">
-            <a:schemeClr val="accent1">
-              <a:shade val="50000"/>
-            </a:schemeClr>
-          </a:lnRef>
-          <a:fillRef idx="1">
-            <a:schemeClr val="accent1"/>
-          </a:fillRef>
-          <a:effectRef idx="0">
-            <a:schemeClr val="accent1"/>
-          </a:effectRef>
-          <a:fontRef idx="minor">
-            <a:schemeClr val="lt1"/>
-          </a:fontRef>
-        </p:style>
-        <p:txBody>
-          <a:bodyPr rtlCol="0" anchor="ctr"/>
-          <a:lstStyle/>
-          <a:p>
-            <a:pPr algn="ctr"/>
-            <a:endParaRPr lang="en-US"/>
-          </a:p>
-        </p:txBody>
-      </p:sp>
-      <p:sp>
-        <p:nvSpPr>
-          <p:cNvPr id="60" name="Oval 59"/>
-          <p:cNvSpPr/>
-          <p:nvPr/>
-        </p:nvSpPr>
-        <p:spPr>
-          <a:xfrm>
-            <a:off x="5426660" y="3608334"/>
-            <a:ext cx="108000" cy="108000"/>
-          </a:xfrm>
-          <a:prstGeom prst="ellipse">
-            <a:avLst/>
-          </a:prstGeom>
-          <a:noFill/>
-          <a:ln>
-            <a:noFill/>
-          </a:ln>
-        </p:spPr>
-        <p:style>
-          <a:lnRef idx="2">
-            <a:schemeClr val="accent1">
-              <a:shade val="50000"/>
-            </a:schemeClr>
-          </a:lnRef>
-          <a:fillRef idx="1">
-            <a:schemeClr val="accent1"/>
-          </a:fillRef>
-          <a:effectRef idx="0">
-            <a:schemeClr val="accent1"/>
-          </a:effectRef>
-          <a:fontRef idx="minor">
-            <a:schemeClr val="lt1"/>
-          </a:fontRef>
-        </p:style>
-        <p:txBody>
-          <a:bodyPr rtlCol="0" anchor="ctr"/>
-          <a:lstStyle/>
-          <a:p>
-            <a:pPr algn="ctr"/>
-            <a:endParaRPr lang="en-US"/>
-          </a:p>
-        </p:txBody>
-      </p:sp>
-      <p:sp>
-        <p:nvSpPr>
-          <p:cNvPr id="61" name="Oval 60"/>
-          <p:cNvSpPr/>
-          <p:nvPr/>
-        </p:nvSpPr>
-        <p:spPr>
-          <a:xfrm>
-            <a:off x="5217439" y="3608334"/>
-            <a:ext cx="108000" cy="108000"/>
-          </a:xfrm>
-          <a:prstGeom prst="ellipse">
-            <a:avLst/>
-          </a:prstGeom>
-          <a:noFill/>
-          <a:ln>
-            <a:noFill/>
-          </a:ln>
-        </p:spPr>
-        <p:style>
-          <a:lnRef idx="2">
-            <a:schemeClr val="accent1">
-              <a:shade val="50000"/>
-            </a:schemeClr>
-          </a:lnRef>
-          <a:fillRef idx="1">
-            <a:schemeClr val="accent1"/>
-          </a:fillRef>
-          <a:effectRef idx="0">
-            <a:schemeClr val="accent1"/>
-          </a:effectRef>
-          <a:fontRef idx="minor">
-            <a:schemeClr val="lt1"/>
-          </a:fontRef>
-        </p:style>
-        <p:txBody>
-          <a:bodyPr rtlCol="0" anchor="ctr"/>
-          <a:lstStyle/>
-          <a:p>
-            <a:pPr algn="ctr"/>
-            <a:endParaRPr lang="en-US"/>
-          </a:p>
-        </p:txBody>
-      </p:sp>
-      <p:cxnSp>
-        <p:nvCxnSpPr>
-          <p:cNvPr id="63" name="Connector: Elbow 62"/>
-          <p:cNvCxnSpPr>
-            <a:cxnSpLocks/>
-            <a:stCxn id="8" idx="3"/>
-            <a:endCxn id="61" idx="0"/>
-          </p:cNvCxnSpPr>
-          <p:nvPr/>
-        </p:nvCxnSpPr>
-        <p:spPr>
-          <a:xfrm flipV="1">
-            <a:off x="3512821" y="3608334"/>
-            <a:ext cx="1758618" cy="1241694"/>
-          </a:xfrm>
-          <a:prstGeom prst="bentConnector4">
-            <a:avLst>
-              <a:gd name="adj1" fmla="val 40666"/>
-              <a:gd name="adj2" fmla="val 147253"/>
-            </a:avLst>
-          </a:prstGeom>
-          <a:ln w="12700">
-            <a:solidFill>
-              <a:srgbClr val="FF0000">
-                <a:alpha val="70000"/>
-              </a:srgbClr>
-            </a:solidFill>
-            <a:prstDash val="sysDash"/>
-            <a:headEnd w="lg" len="med"/>
-            <a:tailEnd type="arrow"/>
-          </a:ln>
-        </p:spPr>
-        <p:style>
-          <a:lnRef idx="1">
-            <a:schemeClr val="accent1"/>
-          </a:lnRef>
-          <a:fillRef idx="0">
-            <a:schemeClr val="accent1"/>
-          </a:fillRef>
-          <a:effectRef idx="0">
-            <a:schemeClr val="accent1"/>
-          </a:effectRef>
-          <a:fontRef idx="minor">
-            <a:schemeClr val="tx1"/>
-          </a:fontRef>
-        </p:style>
-      </p:cxnSp>
-      <p:sp>
-        <p:nvSpPr>
-          <p:cNvPr id="74" name="Oval 73"/>
-          <p:cNvSpPr/>
-          <p:nvPr/>
-        </p:nvSpPr>
-        <p:spPr>
-          <a:xfrm>
-            <a:off x="5420300" y="2063904"/>
-            <a:ext cx="108000" cy="108000"/>
-          </a:xfrm>
-          <a:prstGeom prst="ellipse">
-            <a:avLst/>
-          </a:prstGeom>
-          <a:noFill/>
-          <a:ln>
-            <a:noFill/>
-          </a:ln>
-        </p:spPr>
-        <p:style>
-          <a:lnRef idx="2">
-            <a:schemeClr val="accent1">
-              <a:shade val="50000"/>
-            </a:schemeClr>
-          </a:lnRef>
-          <a:fillRef idx="1">
-            <a:schemeClr val="accent1"/>
-          </a:fillRef>
-          <a:effectRef idx="0">
-            <a:schemeClr val="accent1"/>
-          </a:effectRef>
-          <a:fontRef idx="minor">
-            <a:schemeClr val="lt1"/>
-          </a:fontRef>
-        </p:style>
-        <p:txBody>
-          <a:bodyPr rtlCol="0" anchor="ctr"/>
-          <a:lstStyle/>
-          <a:p>
-            <a:pPr algn="ctr"/>
-            <a:endParaRPr lang="en-US"/>
-          </a:p>
-        </p:txBody>
-      </p:sp>
-      <p:sp>
-        <p:nvSpPr>
-          <p:cNvPr id="85" name="Rectangle 84"/>
-          <p:cNvSpPr/>
-          <p:nvPr/>
-        </p:nvSpPr>
-        <p:spPr>
-          <a:xfrm>
-            <a:off x="7384904" y="3168172"/>
-            <a:ext cx="1427584" cy="910721"/>
-          </a:xfrm>
-          <a:prstGeom prst="rect">
-            <a:avLst/>
-          </a:prstGeom>
-          <a:solidFill>
-            <a:schemeClr val="accent2">
-              <a:alpha val="70000"/>
-            </a:schemeClr>
-          </a:solidFill>
-          <a:ln w="6350">
-            <a:prstDash val="dash"/>
-          </a:ln>
-        </p:spPr>
-        <p:style>
-          <a:lnRef idx="2">
-            <a:schemeClr val="accent1">
-              <a:shade val="50000"/>
-            </a:schemeClr>
-          </a:lnRef>
-          <a:fillRef idx="1">
-            <a:schemeClr val="accent1"/>
-          </a:fillRef>
-          <a:effectRef idx="0">
-            <a:schemeClr val="accent1"/>
-          </a:effectRef>
-          <a:fontRef idx="minor">
-            <a:schemeClr val="lt1"/>
-          </a:fontRef>
-        </p:style>
-        <p:txBody>
-          <a:bodyPr rot="0" spcFirstLastPara="0" vertOverflow="overflow" horzOverflow="overflow" vert="horz" wrap="square" lIns="91440" tIns="45720" rIns="91440" bIns="45720" numCol="1" spcCol="0" rtlCol="0" fromWordArt="0" anchor="ctr" anchorCtr="0" forceAA="0" compatLnSpc="1">
-            <a:prstTxWarp prst="textNoShape">
-              <a:avLst/>
-            </a:prstTxWarp>
-            <a:noAutofit/>
-          </a:bodyPr>
-          <a:lstStyle/>
-          <a:p>
-            <a:pPr algn="ctr"/>
-            <a:endParaRPr lang="en-US"/>
-          </a:p>
-        </p:txBody>
-      </p:sp>
-      <p:sp>
-        <p:nvSpPr>
-          <p:cNvPr id="86" name="Rectangle: Rounded Corners 85"/>
-          <p:cNvSpPr/>
-          <p:nvPr/>
-        </p:nvSpPr>
-        <p:spPr>
-          <a:xfrm>
-            <a:off x="7471559" y="3610947"/>
-            <a:ext cx="1247624" cy="396509"/>
-          </a:xfrm>
-          <a:prstGeom prst="roundRect">
-            <a:avLst/>
-          </a:prstGeom>
-          <a:solidFill>
-            <a:srgbClr val="0066FF">
-              <a:alpha val="60000"/>
-            </a:srgbClr>
-          </a:solidFill>
-          <a:ln w="6350">
-            <a:solidFill>
-              <a:schemeClr val="tx1"/>
-            </a:solidFill>
-            <a:prstDash val="solid"/>
-          </a:ln>
-        </p:spPr>
-        <p:style>
-          <a:lnRef idx="2">
-            <a:schemeClr val="accent1">
-              <a:shade val="50000"/>
-            </a:schemeClr>
-          </a:lnRef>
-          <a:fillRef idx="1">
-            <a:schemeClr val="accent1"/>
-          </a:fillRef>
-          <a:effectRef idx="0">
-            <a:schemeClr val="accent1"/>
-          </a:effectRef>
-          <a:fontRef idx="minor">
-            <a:schemeClr val="lt1"/>
-          </a:fontRef>
-        </p:style>
-        <p:txBody>
-          <a:bodyPr rot="0" spcFirstLastPara="0" vertOverflow="overflow" horzOverflow="overflow" vert="horz" wrap="square" lIns="91440" tIns="45720" rIns="91440" bIns="45720" numCol="1" spcCol="0" rtlCol="0" fromWordArt="0" anchor="ctr" anchorCtr="0" forceAA="0" compatLnSpc="1">
-            <a:prstTxWarp prst="textNoShape">
-              <a:avLst/>
-            </a:prstTxWarp>
-            <a:noAutofit/>
-          </a:bodyPr>
-          <a:lstStyle/>
-          <a:p>
-            <a:pPr algn="ctr"/>
-            <a:r>
-              <a:rPr lang="zh-CN" altLang="en-US" sz="1600" dirty="0">
-                <a:latin typeface="微软雅黑" panose="020B0503020204020204" pitchFamily="34" charset="-122"/>
-                <a:ea typeface="微软雅黑" panose="020B0503020204020204" pitchFamily="34" charset="-122"/>
-              </a:rPr>
-              <a:t>数字签名</a:t>
-            </a:r>
-            <a:r>
-              <a:rPr lang="en-US" altLang="zh-CN" sz="1600" dirty="0">
-                <a:latin typeface="微软雅黑" panose="020B0503020204020204" pitchFamily="34" charset="-122"/>
-                <a:ea typeface="微软雅黑" panose="020B0503020204020204" pitchFamily="34" charset="-122"/>
-              </a:rPr>
-              <a:t>2</a:t>
-            </a:r>
-          </a:p>
-        </p:txBody>
-      </p:sp>
-      <p:sp>
-        <p:nvSpPr>
-          <p:cNvPr id="87" name="Rectangle 86"/>
-          <p:cNvSpPr/>
-          <p:nvPr/>
-        </p:nvSpPr>
-        <p:spPr>
-          <a:xfrm>
-            <a:off x="7471559" y="1632860"/>
-            <a:ext cx="1247624" cy="536307"/>
-          </a:xfrm>
-          <a:prstGeom prst="rect">
-            <a:avLst/>
-          </a:prstGeom>
-          <a:solidFill>
-            <a:schemeClr val="accent6">
-              <a:lumMod val="20000"/>
-              <a:lumOff val="80000"/>
-              <a:alpha val="80000"/>
-            </a:schemeClr>
-          </a:solidFill>
-          <a:ln w="6350">
-            <a:solidFill>
-              <a:schemeClr val="tx1"/>
-            </a:solidFill>
-            <a:prstDash val="dash"/>
-          </a:ln>
-        </p:spPr>
-        <p:style>
-          <a:lnRef idx="2">
-            <a:schemeClr val="accent1">
-              <a:shade val="50000"/>
-            </a:schemeClr>
-          </a:lnRef>
-          <a:fillRef idx="1">
-            <a:schemeClr val="accent1"/>
-          </a:fillRef>
-          <a:effectRef idx="0">
-            <a:schemeClr val="accent1"/>
-          </a:effectRef>
-          <a:fontRef idx="minor">
-            <a:schemeClr val="lt1"/>
-          </a:fontRef>
-        </p:style>
-        <p:txBody>
-          <a:bodyPr rot="0" spcFirstLastPara="0" vertOverflow="overflow" horzOverflow="overflow" vert="horz" wrap="square" lIns="91440" tIns="45720" rIns="91440" bIns="45720" numCol="1" spcCol="0" rtlCol="0" fromWordArt="0" anchor="ctr" anchorCtr="0" forceAA="0" compatLnSpc="1">
-            <a:prstTxWarp prst="textNoShape">
-              <a:avLst/>
-            </a:prstTxWarp>
-            <a:noAutofit/>
-          </a:bodyPr>
-          <a:lstStyle/>
-          <a:p>
-            <a:pPr algn="ctr"/>
-            <a:r>
-              <a:rPr lang="en-US" sz="1600" dirty="0">
-                <a:solidFill>
-                  <a:schemeClr val="tx1"/>
-                </a:solidFill>
-                <a:latin typeface="微软雅黑" panose="020B0503020204020204" pitchFamily="34" charset="-122"/>
-                <a:ea typeface="微软雅黑" panose="020B0503020204020204" pitchFamily="34" charset="-122"/>
-              </a:rPr>
-              <a:t>Owner 3</a:t>
-            </a:r>
-          </a:p>
-          <a:p>
-            <a:pPr algn="ctr"/>
-            <a:r>
-              <a:rPr lang="zh-CN" altLang="en-US" sz="1600" dirty="0">
-                <a:solidFill>
-                  <a:schemeClr val="tx1"/>
-                </a:solidFill>
-                <a:latin typeface="微软雅黑" panose="020B0503020204020204" pitchFamily="34" charset="-122"/>
-                <a:ea typeface="微软雅黑" panose="020B0503020204020204" pitchFamily="34" charset="-122"/>
-              </a:rPr>
-              <a:t>公钥</a:t>
-            </a:r>
-            <a:endParaRPr lang="en-US" sz="1600" dirty="0">
-              <a:solidFill>
-                <a:schemeClr val="tx1"/>
-              </a:solidFill>
-              <a:latin typeface="微软雅黑" panose="020B0503020204020204" pitchFamily="34" charset="-122"/>
-              <a:ea typeface="微软雅黑" panose="020B0503020204020204" pitchFamily="34" charset="-122"/>
-            </a:endParaRPr>
-          </a:p>
-        </p:txBody>
-      </p:sp>
-      <p:sp>
-        <p:nvSpPr>
-          <p:cNvPr id="88" name="Rectangle 87"/>
-          <p:cNvSpPr/>
-          <p:nvPr/>
-        </p:nvSpPr>
-        <p:spPr>
-          <a:xfrm>
-            <a:off x="7471559" y="4581874"/>
-            <a:ext cx="1247624" cy="536307"/>
-          </a:xfrm>
-          <a:prstGeom prst="rect">
-            <a:avLst/>
-          </a:prstGeom>
-          <a:solidFill>
-            <a:srgbClr val="92D050">
-              <a:alpha val="80000"/>
-            </a:srgbClr>
-          </a:solidFill>
-          <a:ln w="6350">
-            <a:solidFill>
-              <a:schemeClr val="tx1"/>
-            </a:solidFill>
-            <a:prstDash val="dash"/>
-          </a:ln>
-        </p:spPr>
-        <p:style>
-          <a:lnRef idx="2">
-            <a:schemeClr val="accent1">
-              <a:shade val="50000"/>
-            </a:schemeClr>
-          </a:lnRef>
-          <a:fillRef idx="1">
-            <a:schemeClr val="accent1"/>
-          </a:fillRef>
-          <a:effectRef idx="0">
-            <a:schemeClr val="accent1"/>
-          </a:effectRef>
-          <a:fontRef idx="minor">
-            <a:schemeClr val="lt1"/>
-          </a:fontRef>
-        </p:style>
-        <p:txBody>
-          <a:bodyPr rot="0" spcFirstLastPara="0" vertOverflow="overflow" horzOverflow="overflow" vert="horz" wrap="square" lIns="91440" tIns="45720" rIns="91440" bIns="45720" numCol="1" spcCol="0" rtlCol="0" fromWordArt="0" anchor="ctr" anchorCtr="0" forceAA="0" compatLnSpc="1">
-            <a:prstTxWarp prst="textNoShape">
-              <a:avLst/>
-            </a:prstTxWarp>
-            <a:noAutofit/>
-          </a:bodyPr>
-          <a:lstStyle/>
-          <a:p>
-            <a:pPr algn="ctr"/>
-            <a:r>
-              <a:rPr lang="en-US" sz="1600" dirty="0">
-                <a:solidFill>
-                  <a:schemeClr val="tx1"/>
-                </a:solidFill>
-                <a:latin typeface="微软雅黑" panose="020B0503020204020204" pitchFamily="34" charset="-122"/>
-                <a:ea typeface="微软雅黑" panose="020B0503020204020204" pitchFamily="34" charset="-122"/>
-              </a:rPr>
-              <a:t>Owner 3</a:t>
-            </a:r>
-          </a:p>
-          <a:p>
-            <a:pPr algn="ctr"/>
-            <a:r>
-              <a:rPr lang="zh-CN" altLang="en-US" sz="1600" dirty="0">
-                <a:solidFill>
-                  <a:schemeClr val="tx1"/>
-                </a:solidFill>
-                <a:latin typeface="微软雅黑" panose="020B0503020204020204" pitchFamily="34" charset="-122"/>
-                <a:ea typeface="微软雅黑" panose="020B0503020204020204" pitchFamily="34" charset="-122"/>
-              </a:rPr>
-              <a:t>私钥</a:t>
-            </a:r>
-            <a:endParaRPr lang="en-US" sz="1600" dirty="0">
-              <a:solidFill>
-                <a:schemeClr val="tx1"/>
-              </a:solidFill>
-              <a:latin typeface="微软雅黑" panose="020B0503020204020204" pitchFamily="34" charset="-122"/>
-              <a:ea typeface="微软雅黑" panose="020B0503020204020204" pitchFamily="34" charset="-122"/>
-            </a:endParaRPr>
-          </a:p>
-        </p:txBody>
-      </p:sp>
-      <p:sp>
-        <p:nvSpPr>
-          <p:cNvPr id="89" name="Rectangle 88"/>
-          <p:cNvSpPr/>
-          <p:nvPr/>
-        </p:nvSpPr>
-        <p:spPr>
-          <a:xfrm>
-            <a:off x="7738424" y="2525838"/>
-            <a:ext cx="715778" cy="346038"/>
-          </a:xfrm>
-          <a:prstGeom prst="rect">
-            <a:avLst/>
-          </a:prstGeom>
-          <a:solidFill>
-            <a:schemeClr val="tx1">
-              <a:alpha val="40000"/>
-            </a:schemeClr>
-          </a:solidFill>
-          <a:ln w="6350">
-            <a:solidFill>
-              <a:schemeClr val="tx1"/>
-            </a:solidFill>
-            <a:prstDash val="dash"/>
-          </a:ln>
-        </p:spPr>
-        <p:style>
-          <a:lnRef idx="2">
-            <a:schemeClr val="accent1">
-              <a:shade val="50000"/>
-            </a:schemeClr>
-          </a:lnRef>
-          <a:fillRef idx="1">
-            <a:schemeClr val="accent1"/>
-          </a:fillRef>
-          <a:effectRef idx="0">
-            <a:schemeClr val="accent1"/>
-          </a:effectRef>
-          <a:fontRef idx="minor">
-            <a:schemeClr val="lt1"/>
-          </a:fontRef>
-        </p:style>
-        <p:txBody>
-          <a:bodyPr rtlCol="0" anchor="ctr"/>
-          <a:lstStyle/>
-          <a:p>
-            <a:pPr algn="ctr"/>
-            <a:r>
-              <a:rPr lang="en-US" sz="1600" dirty="0">
-                <a:latin typeface="微软雅黑" panose="020B0503020204020204" pitchFamily="34" charset="-122"/>
-                <a:ea typeface="微软雅黑" panose="020B0503020204020204" pitchFamily="34" charset="-122"/>
-              </a:rPr>
-              <a:t>Hash</a:t>
-            </a:r>
-          </a:p>
-        </p:txBody>
-      </p:sp>
-      <p:sp>
-        <p:nvSpPr>
-          <p:cNvPr id="90" name="Rectangle 89"/>
-          <p:cNvSpPr/>
-          <p:nvPr/>
-        </p:nvSpPr>
-        <p:spPr>
-          <a:xfrm>
-            <a:off x="7244945" y="1101012"/>
-            <a:ext cx="1698172" cy="3116420"/>
-          </a:xfrm>
-          <a:prstGeom prst="rect">
-            <a:avLst/>
-          </a:prstGeom>
-          <a:noFill/>
-          <a:ln w="6350">
-            <a:prstDash val="dash"/>
-          </a:ln>
-        </p:spPr>
-        <p:style>
-          <a:lnRef idx="2">
-            <a:schemeClr val="accent1">
-              <a:shade val="50000"/>
-            </a:schemeClr>
-          </a:lnRef>
-          <a:fillRef idx="1">
-            <a:schemeClr val="accent1"/>
-          </a:fillRef>
-          <a:effectRef idx="0">
-            <a:schemeClr val="accent1"/>
-          </a:effectRef>
-          <a:fontRef idx="minor">
-            <a:schemeClr val="lt1"/>
-          </a:fontRef>
-        </p:style>
-        <p:txBody>
-          <a:bodyPr rtlCol="0" anchor="ctr"/>
-          <a:lstStyle/>
-          <a:p>
-            <a:pPr algn="ctr"/>
-            <a:endParaRPr lang="en-US"/>
-          </a:p>
-        </p:txBody>
-      </p:sp>
-      <p:sp>
-        <p:nvSpPr>
-          <p:cNvPr id="91" name="TextBox 90"/>
-          <p:cNvSpPr txBox="1"/>
-          <p:nvPr/>
-        </p:nvSpPr>
-        <p:spPr>
-          <a:xfrm>
-            <a:off x="7791846" y="1203780"/>
-            <a:ext cx="595035" cy="338554"/>
-          </a:xfrm>
-          <a:prstGeom prst="rect">
-            <a:avLst/>
-          </a:prstGeom>
-          <a:noFill/>
-        </p:spPr>
-        <p:txBody>
-          <a:bodyPr wrap="none" rtlCol="0">
-            <a:spAutoFit/>
-          </a:bodyPr>
-          <a:lstStyle/>
-          <a:p>
-            <a:r>
-              <a:rPr lang="zh-CN" altLang="en-US" sz="1600" dirty="0">
-                <a:latin typeface="微软雅黑" panose="020B0503020204020204" pitchFamily="34" charset="-122"/>
-                <a:ea typeface="微软雅黑" panose="020B0503020204020204" pitchFamily="34" charset="-122"/>
-              </a:rPr>
-              <a:t>交易</a:t>
-            </a:r>
-            <a:endParaRPr lang="en-US" sz="1600" dirty="0">
-              <a:latin typeface="微软雅黑" panose="020B0503020204020204" pitchFamily="34" charset="-122"/>
-              <a:ea typeface="微软雅黑" panose="020B0503020204020204" pitchFamily="34" charset="-122"/>
-            </a:endParaRPr>
-          </a:p>
-        </p:txBody>
-      </p:sp>
-      <p:sp>
-        <p:nvSpPr>
-          <p:cNvPr id="92" name="Oval 91"/>
-          <p:cNvSpPr/>
-          <p:nvPr/>
-        </p:nvSpPr>
-        <p:spPr>
-          <a:xfrm>
-            <a:off x="8137582" y="2530288"/>
-            <a:ext cx="108000" cy="108000"/>
-          </a:xfrm>
-          <a:prstGeom prst="ellipse">
-            <a:avLst/>
-          </a:prstGeom>
-          <a:noFill/>
-          <a:ln>
-            <a:noFill/>
-          </a:ln>
-        </p:spPr>
-        <p:style>
-          <a:lnRef idx="2">
-            <a:schemeClr val="accent1">
-              <a:shade val="50000"/>
-            </a:schemeClr>
-          </a:lnRef>
-          <a:fillRef idx="1">
-            <a:schemeClr val="accent1"/>
-          </a:fillRef>
-          <a:effectRef idx="0">
-            <a:schemeClr val="accent1"/>
-          </a:effectRef>
-          <a:fontRef idx="minor">
-            <a:schemeClr val="lt1"/>
-          </a:fontRef>
-        </p:style>
-        <p:txBody>
-          <a:bodyPr rtlCol="0" anchor="ctr"/>
-          <a:lstStyle/>
-          <a:p>
-            <a:pPr algn="ctr"/>
-            <a:endParaRPr lang="en-US"/>
-          </a:p>
-        </p:txBody>
-      </p:sp>
-      <p:cxnSp>
-        <p:nvCxnSpPr>
-          <p:cNvPr id="93" name="Connector: Elbow 92"/>
-          <p:cNvCxnSpPr>
-            <a:cxnSpLocks/>
-            <a:stCxn id="100" idx="4"/>
-            <a:endCxn id="92" idx="0"/>
-          </p:cNvCxnSpPr>
-          <p:nvPr/>
-        </p:nvCxnSpPr>
-        <p:spPr>
-          <a:xfrm rot="16200000" flipH="1">
-            <a:off x="8011993" y="2350699"/>
-            <a:ext cx="358384" cy="794"/>
-          </a:xfrm>
-          <a:prstGeom prst="bentConnector3">
-            <a:avLst>
-              <a:gd name="adj1" fmla="val 50000"/>
-            </a:avLst>
-          </a:prstGeom>
-          <a:ln w="12700">
-            <a:solidFill>
-              <a:srgbClr val="FF0000">
-                <a:alpha val="70000"/>
-              </a:srgbClr>
-            </a:solidFill>
-            <a:prstDash val="sysDash"/>
-            <a:headEnd w="lg" len="med"/>
-            <a:tailEnd type="arrow"/>
-          </a:ln>
-        </p:spPr>
-        <p:style>
-          <a:lnRef idx="1">
-            <a:schemeClr val="accent1"/>
-          </a:lnRef>
-          <a:fillRef idx="0">
-            <a:schemeClr val="accent1"/>
-          </a:fillRef>
-          <a:effectRef idx="0">
-            <a:schemeClr val="accent1"/>
-          </a:effectRef>
-          <a:fontRef idx="minor">
-            <a:schemeClr val="tx1"/>
-          </a:fontRef>
-        </p:style>
-      </p:cxnSp>
-      <p:cxnSp>
-        <p:nvCxnSpPr>
-          <p:cNvPr id="94" name="Connector: Elbow 93"/>
-          <p:cNvCxnSpPr>
-            <a:cxnSpLocks/>
-            <a:stCxn id="97" idx="4"/>
-            <a:endCxn id="98" idx="0"/>
-          </p:cNvCxnSpPr>
-          <p:nvPr/>
-        </p:nvCxnSpPr>
-        <p:spPr>
-          <a:xfrm rot="16200000" flipH="1">
-            <a:off x="7832149" y="3243335"/>
-            <a:ext cx="729984" cy="13"/>
-          </a:xfrm>
-          <a:prstGeom prst="bentConnector3">
-            <a:avLst>
-              <a:gd name="adj1" fmla="val 50000"/>
-            </a:avLst>
-          </a:prstGeom>
-          <a:ln w="12700">
-            <a:solidFill>
-              <a:srgbClr val="FF0000">
-                <a:alpha val="70000"/>
-              </a:srgbClr>
-            </a:solidFill>
-            <a:prstDash val="sysDash"/>
-            <a:headEnd w="lg" len="med"/>
-            <a:tailEnd type="arrow"/>
-          </a:ln>
-        </p:spPr>
-        <p:style>
-          <a:lnRef idx="1">
-            <a:schemeClr val="accent1"/>
-          </a:lnRef>
-          <a:fillRef idx="0">
-            <a:schemeClr val="accent1"/>
-          </a:fillRef>
-          <a:effectRef idx="0">
-            <a:schemeClr val="accent1"/>
-          </a:effectRef>
-          <a:fontRef idx="minor">
-            <a:schemeClr val="tx1"/>
-          </a:fontRef>
-        </p:style>
-      </p:cxnSp>
-      <p:sp>
-        <p:nvSpPr>
-          <p:cNvPr id="96" name="Oval 95"/>
-          <p:cNvSpPr/>
-          <p:nvPr/>
-        </p:nvSpPr>
-        <p:spPr>
-          <a:xfrm>
-            <a:off x="7960933" y="2529184"/>
-            <a:ext cx="108000" cy="108000"/>
-          </a:xfrm>
-          <a:prstGeom prst="ellipse">
-            <a:avLst/>
-          </a:prstGeom>
-          <a:noFill/>
-          <a:ln>
-            <a:noFill/>
-          </a:ln>
-        </p:spPr>
-        <p:style>
-          <a:lnRef idx="2">
-            <a:schemeClr val="accent1">
-              <a:shade val="50000"/>
-            </a:schemeClr>
-          </a:lnRef>
-          <a:fillRef idx="1">
-            <a:schemeClr val="accent1"/>
-          </a:fillRef>
-          <a:effectRef idx="0">
-            <a:schemeClr val="accent1"/>
-          </a:effectRef>
-          <a:fontRef idx="minor">
-            <a:schemeClr val="lt1"/>
-          </a:fontRef>
-        </p:style>
-        <p:txBody>
-          <a:bodyPr rtlCol="0" anchor="ctr"/>
-          <a:lstStyle/>
-          <a:p>
-            <a:pPr algn="ctr"/>
-            <a:endParaRPr lang="en-US"/>
-          </a:p>
-        </p:txBody>
-      </p:sp>
-      <p:sp>
-        <p:nvSpPr>
-          <p:cNvPr id="97" name="Oval 96"/>
-          <p:cNvSpPr/>
-          <p:nvPr/>
-        </p:nvSpPr>
-        <p:spPr>
-          <a:xfrm>
-            <a:off x="8143135" y="2770350"/>
-            <a:ext cx="108000" cy="108000"/>
-          </a:xfrm>
-          <a:prstGeom prst="ellipse">
-            <a:avLst/>
-          </a:prstGeom>
-          <a:noFill/>
-          <a:ln>
-            <a:noFill/>
-          </a:ln>
-        </p:spPr>
-        <p:style>
-          <a:lnRef idx="2">
-            <a:schemeClr val="accent1">
-              <a:shade val="50000"/>
-            </a:schemeClr>
-          </a:lnRef>
-          <a:fillRef idx="1">
-            <a:schemeClr val="accent1"/>
-          </a:fillRef>
-          <a:effectRef idx="0">
-            <a:schemeClr val="accent1"/>
-          </a:effectRef>
-          <a:fontRef idx="minor">
-            <a:schemeClr val="lt1"/>
-          </a:fontRef>
-        </p:style>
-        <p:txBody>
-          <a:bodyPr rtlCol="0" anchor="ctr"/>
-          <a:lstStyle/>
-          <a:p>
-            <a:pPr algn="ctr"/>
-            <a:endParaRPr lang="en-US"/>
-          </a:p>
-        </p:txBody>
-      </p:sp>
-      <p:sp>
-        <p:nvSpPr>
-          <p:cNvPr id="98" name="Oval 97"/>
-          <p:cNvSpPr/>
-          <p:nvPr/>
-        </p:nvSpPr>
-        <p:spPr>
-          <a:xfrm>
-            <a:off x="8143148" y="3608334"/>
-            <a:ext cx="108000" cy="108000"/>
-          </a:xfrm>
-          <a:prstGeom prst="ellipse">
-            <a:avLst/>
-          </a:prstGeom>
-          <a:noFill/>
-          <a:ln>
-            <a:noFill/>
-          </a:ln>
-        </p:spPr>
-        <p:style>
-          <a:lnRef idx="2">
-            <a:schemeClr val="accent1">
-              <a:shade val="50000"/>
-            </a:schemeClr>
-          </a:lnRef>
-          <a:fillRef idx="1">
-            <a:schemeClr val="accent1"/>
-          </a:fillRef>
-          <a:effectRef idx="0">
-            <a:schemeClr val="accent1"/>
-          </a:effectRef>
-          <a:fontRef idx="minor">
-            <a:schemeClr val="lt1"/>
-          </a:fontRef>
-        </p:style>
-        <p:txBody>
-          <a:bodyPr rtlCol="0" anchor="ctr"/>
-          <a:lstStyle/>
-          <a:p>
-            <a:pPr algn="ctr"/>
-            <a:endParaRPr lang="en-US"/>
-          </a:p>
-        </p:txBody>
-      </p:sp>
-      <p:sp>
-        <p:nvSpPr>
-          <p:cNvPr id="99" name="Oval 98"/>
-          <p:cNvSpPr/>
-          <p:nvPr/>
-        </p:nvSpPr>
-        <p:spPr>
-          <a:xfrm>
-            <a:off x="7933927" y="3608334"/>
-            <a:ext cx="108000" cy="108000"/>
-          </a:xfrm>
-          <a:prstGeom prst="ellipse">
-            <a:avLst/>
-          </a:prstGeom>
-          <a:noFill/>
-          <a:ln>
-            <a:noFill/>
-          </a:ln>
-        </p:spPr>
-        <p:style>
-          <a:lnRef idx="2">
-            <a:schemeClr val="accent1">
-              <a:shade val="50000"/>
-            </a:schemeClr>
-          </a:lnRef>
-          <a:fillRef idx="1">
-            <a:schemeClr val="accent1"/>
-          </a:fillRef>
-          <a:effectRef idx="0">
-            <a:schemeClr val="accent1"/>
-          </a:effectRef>
-          <a:fontRef idx="minor">
-            <a:schemeClr val="lt1"/>
-          </a:fontRef>
-        </p:style>
-        <p:txBody>
-          <a:bodyPr rtlCol="0" anchor="ctr"/>
-          <a:lstStyle/>
-          <a:p>
-            <a:pPr algn="ctr"/>
-            <a:endParaRPr lang="en-US"/>
-          </a:p>
-        </p:txBody>
-      </p:sp>
-      <p:sp>
-        <p:nvSpPr>
-          <p:cNvPr id="100" name="Oval 99"/>
-          <p:cNvSpPr/>
-          <p:nvPr/>
-        </p:nvSpPr>
-        <p:spPr>
-          <a:xfrm>
-            <a:off x="8136788" y="2063904"/>
-            <a:ext cx="108000" cy="108000"/>
-          </a:xfrm>
-          <a:prstGeom prst="ellipse">
-            <a:avLst/>
-          </a:prstGeom>
-          <a:noFill/>
-          <a:ln>
-            <a:noFill/>
-          </a:ln>
-        </p:spPr>
-        <p:style>
-          <a:lnRef idx="2">
-            <a:schemeClr val="accent1">
-              <a:shade val="50000"/>
-            </a:schemeClr>
-          </a:lnRef>
-          <a:fillRef idx="1">
-            <a:schemeClr val="accent1"/>
-          </a:fillRef>
-          <a:effectRef idx="0">
-            <a:schemeClr val="accent1"/>
-          </a:effectRef>
-          <a:fontRef idx="minor">
-            <a:schemeClr val="lt1"/>
-          </a:fontRef>
-        </p:style>
-        <p:txBody>
-          <a:bodyPr rtlCol="0" anchor="ctr"/>
-          <a:lstStyle/>
-          <a:p>
-            <a:pPr algn="ctr"/>
-            <a:endParaRPr lang="en-US"/>
-          </a:p>
-        </p:txBody>
-      </p:sp>
-      <p:cxnSp>
-        <p:nvCxnSpPr>
-          <p:cNvPr id="103" name="Connector: Elbow 102"/>
-          <p:cNvCxnSpPr>
-            <a:cxnSpLocks/>
-            <a:endCxn id="96" idx="0"/>
-          </p:cNvCxnSpPr>
-          <p:nvPr/>
-        </p:nvCxnSpPr>
-        <p:spPr>
-          <a:xfrm>
-            <a:off x="6235354" y="2345942"/>
-            <a:ext cx="1779579" cy="183242"/>
-          </a:xfrm>
-          <a:prstGeom prst="bentConnector2">
-            <a:avLst/>
-          </a:prstGeom>
-          <a:ln w="12700">
-            <a:solidFill>
-              <a:srgbClr val="FF0000">
-                <a:alpha val="70000"/>
-              </a:srgbClr>
-            </a:solidFill>
-            <a:prstDash val="sysDash"/>
-            <a:round/>
-            <a:headEnd w="lg" len="med"/>
-            <a:tailEnd type="arrow"/>
-          </a:ln>
-        </p:spPr>
-        <p:style>
-          <a:lnRef idx="1">
-            <a:schemeClr val="accent1"/>
-          </a:lnRef>
-          <a:fillRef idx="0">
-            <a:schemeClr val="accent1"/>
-          </a:fillRef>
-          <a:effectRef idx="0">
-            <a:schemeClr val="accent1"/>
-          </a:effectRef>
-          <a:fontRef idx="minor">
-            <a:schemeClr val="tx1"/>
-          </a:fontRef>
-        </p:style>
-      </p:cxnSp>
-      <p:cxnSp>
-        <p:nvCxnSpPr>
-          <p:cNvPr id="107" name="Connector: Elbow 106"/>
-          <p:cNvCxnSpPr>
-            <a:cxnSpLocks/>
-            <a:stCxn id="17" idx="3"/>
-            <a:endCxn id="99" idx="0"/>
-          </p:cNvCxnSpPr>
-          <p:nvPr/>
-        </p:nvCxnSpPr>
-        <p:spPr>
-          <a:xfrm flipV="1">
-            <a:off x="6002695" y="3608334"/>
-            <a:ext cx="1985232" cy="1241694"/>
-          </a:xfrm>
-          <a:prstGeom prst="bentConnector4">
-            <a:avLst>
-              <a:gd name="adj1" fmla="val 42499"/>
-              <a:gd name="adj2" fmla="val 146639"/>
-            </a:avLst>
-          </a:prstGeom>
-          <a:ln w="12700">
-            <a:solidFill>
-              <a:srgbClr val="FF0000">
-                <a:alpha val="70000"/>
-              </a:srgbClr>
-            </a:solidFill>
-            <a:prstDash val="sysDash"/>
-            <a:headEnd w="lg" len="med"/>
-            <a:tailEnd type="arrow"/>
-          </a:ln>
-        </p:spPr>
-        <p:style>
-          <a:lnRef idx="1">
-            <a:schemeClr val="accent1"/>
-          </a:lnRef>
-          <a:fillRef idx="0">
-            <a:schemeClr val="accent1"/>
-          </a:fillRef>
-          <a:effectRef idx="0">
-            <a:schemeClr val="accent1"/>
-          </a:effectRef>
-          <a:fontRef idx="minor">
-            <a:schemeClr val="tx1"/>
-          </a:fontRef>
-        </p:style>
-      </p:cxnSp>
-      <p:sp>
-        <p:nvSpPr>
-          <p:cNvPr id="116" name="Rectangle 115"/>
-          <p:cNvSpPr/>
-          <p:nvPr/>
-        </p:nvSpPr>
-        <p:spPr>
-          <a:xfrm>
-            <a:off x="2544161" y="2526485"/>
-            <a:ext cx="715778" cy="346038"/>
-          </a:xfrm>
-          <a:prstGeom prst="rect">
-            <a:avLst/>
-          </a:prstGeom>
-          <a:solidFill>
-            <a:schemeClr val="tx1">
-              <a:alpha val="40000"/>
-            </a:schemeClr>
-          </a:solidFill>
-          <a:ln w="6350">
-            <a:solidFill>
-              <a:schemeClr val="tx1"/>
-            </a:solidFill>
-            <a:prstDash val="dash"/>
-          </a:ln>
-        </p:spPr>
-        <p:style>
-          <a:lnRef idx="2">
-            <a:schemeClr val="accent1">
-              <a:shade val="50000"/>
-            </a:schemeClr>
-          </a:lnRef>
-          <a:fillRef idx="1">
-            <a:schemeClr val="accent1"/>
-          </a:fillRef>
-          <a:effectRef idx="0">
-            <a:schemeClr val="accent1"/>
-          </a:effectRef>
-          <a:fontRef idx="minor">
-            <a:schemeClr val="lt1"/>
-          </a:fontRef>
-        </p:style>
-        <p:txBody>
-          <a:bodyPr rtlCol="0" anchor="ctr"/>
-          <a:lstStyle/>
-          <a:p>
-            <a:pPr algn="ctr"/>
-            <a:r>
-              <a:rPr lang="en-US" sz="1600" dirty="0">
-                <a:latin typeface="微软雅黑" panose="020B0503020204020204" pitchFamily="34" charset="-122"/>
-                <a:ea typeface="微软雅黑" panose="020B0503020204020204" pitchFamily="34" charset="-122"/>
-              </a:rPr>
-              <a:t>Hash</a:t>
-            </a:r>
-          </a:p>
-        </p:txBody>
-      </p:sp>
-      <p:sp>
-        <p:nvSpPr>
-          <p:cNvPr id="117" name="Oval 116"/>
-          <p:cNvSpPr/>
-          <p:nvPr/>
-        </p:nvSpPr>
-        <p:spPr>
-          <a:xfrm>
-            <a:off x="2943319" y="2530935"/>
-            <a:ext cx="108000" cy="108000"/>
-          </a:xfrm>
-          <a:prstGeom prst="ellipse">
-            <a:avLst/>
-          </a:prstGeom>
-          <a:noFill/>
-          <a:ln>
-            <a:noFill/>
-          </a:ln>
-        </p:spPr>
-        <p:style>
-          <a:lnRef idx="2">
-            <a:schemeClr val="accent1">
-              <a:shade val="50000"/>
-            </a:schemeClr>
-          </a:lnRef>
-          <a:fillRef idx="1">
-            <a:schemeClr val="accent1"/>
-          </a:fillRef>
-          <a:effectRef idx="0">
-            <a:schemeClr val="accent1"/>
-          </a:effectRef>
-          <a:fontRef idx="minor">
-            <a:schemeClr val="lt1"/>
-          </a:fontRef>
-        </p:style>
-        <p:txBody>
-          <a:bodyPr rtlCol="0" anchor="ctr"/>
-          <a:lstStyle/>
-          <a:p>
-            <a:pPr algn="ctr"/>
-            <a:endParaRPr lang="en-US"/>
-          </a:p>
-        </p:txBody>
-      </p:sp>
-      <p:cxnSp>
-        <p:nvCxnSpPr>
-          <p:cNvPr id="118" name="Connector: Elbow 117"/>
-          <p:cNvCxnSpPr>
-            <a:cxnSpLocks/>
-            <a:stCxn id="125" idx="4"/>
-            <a:endCxn id="117" idx="0"/>
-          </p:cNvCxnSpPr>
-          <p:nvPr/>
-        </p:nvCxnSpPr>
-        <p:spPr>
-          <a:xfrm rot="16200000" flipH="1">
-            <a:off x="2817730" y="2351346"/>
-            <a:ext cx="358384" cy="794"/>
-          </a:xfrm>
-          <a:prstGeom prst="bentConnector3">
-            <a:avLst>
-              <a:gd name="adj1" fmla="val 50000"/>
-            </a:avLst>
-          </a:prstGeom>
-          <a:ln w="12700">
-            <a:solidFill>
-              <a:srgbClr val="FF0000">
-                <a:alpha val="70000"/>
-              </a:srgbClr>
-            </a:solidFill>
-            <a:prstDash val="sysDash"/>
-            <a:headEnd w="lg" len="med"/>
-            <a:tailEnd type="arrow"/>
-          </a:ln>
-        </p:spPr>
-        <p:style>
-          <a:lnRef idx="1">
-            <a:schemeClr val="accent1"/>
-          </a:lnRef>
-          <a:fillRef idx="0">
-            <a:schemeClr val="accent1"/>
-          </a:fillRef>
-          <a:effectRef idx="0">
-            <a:schemeClr val="accent1"/>
-          </a:effectRef>
-          <a:fontRef idx="minor">
-            <a:schemeClr val="tx1"/>
-          </a:fontRef>
-        </p:style>
-      </p:cxnSp>
-      <p:cxnSp>
-        <p:nvCxnSpPr>
-          <p:cNvPr id="119" name="Connector: Elbow 118"/>
-          <p:cNvCxnSpPr>
-            <a:cxnSpLocks/>
-            <a:stCxn id="122" idx="4"/>
-            <a:endCxn id="123" idx="0"/>
-          </p:cNvCxnSpPr>
-          <p:nvPr/>
-        </p:nvCxnSpPr>
-        <p:spPr>
-          <a:xfrm rot="16200000" flipH="1">
-            <a:off x="2637886" y="3243982"/>
-            <a:ext cx="729984" cy="13"/>
-          </a:xfrm>
-          <a:prstGeom prst="bentConnector3">
-            <a:avLst>
-              <a:gd name="adj1" fmla="val 50000"/>
-            </a:avLst>
-          </a:prstGeom>
-          <a:ln w="12700">
-            <a:solidFill>
-              <a:srgbClr val="FF0000">
-                <a:alpha val="70000"/>
-              </a:srgbClr>
-            </a:solidFill>
-            <a:prstDash val="sysDash"/>
-            <a:headEnd w="lg" len="med"/>
-            <a:tailEnd type="arrow"/>
-          </a:ln>
-        </p:spPr>
-        <p:style>
-          <a:lnRef idx="1">
-            <a:schemeClr val="accent1"/>
-          </a:lnRef>
-          <a:fillRef idx="0">
-            <a:schemeClr val="accent1"/>
-          </a:fillRef>
-          <a:effectRef idx="0">
-            <a:schemeClr val="accent1"/>
-          </a:effectRef>
-          <a:fontRef idx="minor">
-            <a:schemeClr val="tx1"/>
-          </a:fontRef>
-        </p:style>
-      </p:cxnSp>
-      <p:sp>
-        <p:nvSpPr>
-          <p:cNvPr id="121" name="Oval 120"/>
-          <p:cNvSpPr/>
-          <p:nvPr/>
-        </p:nvSpPr>
-        <p:spPr>
-          <a:xfrm>
-            <a:off x="2766670" y="2529831"/>
-            <a:ext cx="108000" cy="108000"/>
-          </a:xfrm>
-          <a:prstGeom prst="ellipse">
-            <a:avLst/>
-          </a:prstGeom>
-          <a:noFill/>
-          <a:ln>
-            <a:noFill/>
-          </a:ln>
-        </p:spPr>
-        <p:style>
-          <a:lnRef idx="2">
-            <a:schemeClr val="accent1">
-              <a:shade val="50000"/>
-            </a:schemeClr>
-          </a:lnRef>
-          <a:fillRef idx="1">
-            <a:schemeClr val="accent1"/>
-          </a:fillRef>
-          <a:effectRef idx="0">
-            <a:schemeClr val="accent1"/>
-          </a:effectRef>
-          <a:fontRef idx="minor">
-            <a:schemeClr val="lt1"/>
-          </a:fontRef>
-        </p:style>
-        <p:txBody>
-          <a:bodyPr rtlCol="0" anchor="ctr"/>
-          <a:lstStyle/>
-          <a:p>
-            <a:pPr algn="ctr"/>
-            <a:endParaRPr lang="en-US"/>
-          </a:p>
-        </p:txBody>
-      </p:sp>
-      <p:sp>
-        <p:nvSpPr>
-          <p:cNvPr id="122" name="Oval 121"/>
-          <p:cNvSpPr/>
-          <p:nvPr/>
-        </p:nvSpPr>
-        <p:spPr>
-          <a:xfrm>
-            <a:off x="2948872" y="2770997"/>
-            <a:ext cx="108000" cy="108000"/>
-          </a:xfrm>
-          <a:prstGeom prst="ellipse">
-            <a:avLst/>
-          </a:prstGeom>
-          <a:noFill/>
-          <a:ln>
-            <a:noFill/>
-          </a:ln>
-        </p:spPr>
-        <p:style>
-          <a:lnRef idx="2">
-            <a:schemeClr val="accent1">
-              <a:shade val="50000"/>
-            </a:schemeClr>
-          </a:lnRef>
-          <a:fillRef idx="1">
-            <a:schemeClr val="accent1"/>
-          </a:fillRef>
-          <a:effectRef idx="0">
-            <a:schemeClr val="accent1"/>
-          </a:effectRef>
-          <a:fontRef idx="minor">
-            <a:schemeClr val="lt1"/>
-          </a:fontRef>
-        </p:style>
-        <p:txBody>
-          <a:bodyPr rtlCol="0" anchor="ctr"/>
-          <a:lstStyle/>
-          <a:p>
-            <a:pPr algn="ctr"/>
-            <a:endParaRPr lang="en-US"/>
-          </a:p>
-        </p:txBody>
-      </p:sp>
-      <p:sp>
-        <p:nvSpPr>
-          <p:cNvPr id="123" name="Oval 122"/>
-          <p:cNvSpPr/>
-          <p:nvPr/>
-        </p:nvSpPr>
-        <p:spPr>
-          <a:xfrm>
-            <a:off x="2948885" y="3608981"/>
-            <a:ext cx="108000" cy="108000"/>
-          </a:xfrm>
-          <a:prstGeom prst="ellipse">
-            <a:avLst/>
-          </a:prstGeom>
-          <a:noFill/>
-          <a:ln>
-            <a:noFill/>
-          </a:ln>
-        </p:spPr>
-        <p:style>
-          <a:lnRef idx="2">
-            <a:schemeClr val="accent1">
-              <a:shade val="50000"/>
-            </a:schemeClr>
-          </a:lnRef>
-          <a:fillRef idx="1">
-            <a:schemeClr val="accent1"/>
-          </a:fillRef>
-          <a:effectRef idx="0">
-            <a:schemeClr val="accent1"/>
-          </a:effectRef>
-          <a:fontRef idx="minor">
-            <a:schemeClr val="lt1"/>
-          </a:fontRef>
-        </p:style>
-        <p:txBody>
-          <a:bodyPr rtlCol="0" anchor="ctr"/>
-          <a:lstStyle/>
-          <a:p>
-            <a:pPr algn="ctr"/>
-            <a:endParaRPr lang="en-US"/>
-          </a:p>
-        </p:txBody>
-      </p:sp>
-      <p:sp>
-        <p:nvSpPr>
-          <p:cNvPr id="124" name="Oval 123"/>
-          <p:cNvSpPr/>
-          <p:nvPr/>
-        </p:nvSpPr>
-        <p:spPr>
-          <a:xfrm>
-            <a:off x="2739664" y="3608981"/>
-            <a:ext cx="108000" cy="108000"/>
-          </a:xfrm>
-          <a:prstGeom prst="ellipse">
-            <a:avLst/>
-          </a:prstGeom>
-          <a:noFill/>
-          <a:ln>
-            <a:noFill/>
-          </a:ln>
-        </p:spPr>
-        <p:style>
-          <a:lnRef idx="2">
-            <a:schemeClr val="accent1">
-              <a:shade val="50000"/>
-            </a:schemeClr>
-          </a:lnRef>
-          <a:fillRef idx="1">
-            <a:schemeClr val="accent1"/>
-          </a:fillRef>
-          <a:effectRef idx="0">
-            <a:schemeClr val="accent1"/>
-          </a:effectRef>
-          <a:fontRef idx="minor">
-            <a:schemeClr val="lt1"/>
-          </a:fontRef>
-        </p:style>
-        <p:txBody>
-          <a:bodyPr rtlCol="0" anchor="ctr"/>
-          <a:lstStyle/>
-          <a:p>
-            <a:pPr algn="ctr"/>
-            <a:endParaRPr lang="en-US"/>
-          </a:p>
-        </p:txBody>
-      </p:sp>
-      <p:sp>
-        <p:nvSpPr>
-          <p:cNvPr id="125" name="Oval 124"/>
-          <p:cNvSpPr/>
-          <p:nvPr/>
-        </p:nvSpPr>
-        <p:spPr>
-          <a:xfrm>
-            <a:off x="2942525" y="2064551"/>
-            <a:ext cx="108000" cy="108000"/>
-          </a:xfrm>
-          <a:prstGeom prst="ellipse">
-            <a:avLst/>
-          </a:prstGeom>
-          <a:noFill/>
-          <a:ln>
-            <a:noFill/>
-          </a:ln>
-        </p:spPr>
-        <p:style>
-          <a:lnRef idx="2">
-            <a:schemeClr val="accent1">
-              <a:shade val="50000"/>
-            </a:schemeClr>
-          </a:lnRef>
-          <a:fillRef idx="1">
-            <a:schemeClr val="accent1"/>
-          </a:fillRef>
-          <a:effectRef idx="0">
-            <a:schemeClr val="accent1"/>
-          </a:effectRef>
-          <a:fontRef idx="minor">
-            <a:schemeClr val="lt1"/>
-          </a:fontRef>
-        </p:style>
-        <p:txBody>
-          <a:bodyPr rtlCol="0" anchor="ctr"/>
-          <a:lstStyle/>
-          <a:p>
-            <a:pPr algn="ctr"/>
-            <a:endParaRPr lang="en-US"/>
-          </a:p>
-        </p:txBody>
-      </p:sp>
-      <p:sp>
-        <p:nvSpPr>
-          <p:cNvPr id="126" name="Oval 125"/>
-          <p:cNvSpPr/>
-          <p:nvPr/>
-        </p:nvSpPr>
-        <p:spPr>
-          <a:xfrm>
-            <a:off x="1698152" y="2297499"/>
-            <a:ext cx="108000" cy="108000"/>
-          </a:xfrm>
-          <a:prstGeom prst="ellipse">
-            <a:avLst/>
-          </a:prstGeom>
-          <a:noFill/>
-          <a:ln>
-            <a:noFill/>
-          </a:ln>
-        </p:spPr>
-        <p:style>
-          <a:lnRef idx="2">
-            <a:schemeClr val="accent1">
-              <a:shade val="50000"/>
-            </a:schemeClr>
-          </a:lnRef>
-          <a:fillRef idx="1">
-            <a:schemeClr val="accent1"/>
-          </a:fillRef>
-          <a:effectRef idx="0">
-            <a:schemeClr val="accent1"/>
-          </a:effectRef>
-          <a:fontRef idx="minor">
-            <a:schemeClr val="lt1"/>
-          </a:fontRef>
-        </p:style>
-        <p:txBody>
-          <a:bodyPr rtlCol="0" anchor="ctr"/>
-          <a:lstStyle/>
-          <a:p>
-            <a:pPr algn="ctr"/>
-            <a:endParaRPr lang="en-US"/>
-          </a:p>
-        </p:txBody>
-      </p:sp>
-      <p:cxnSp>
-        <p:nvCxnSpPr>
-          <p:cNvPr id="127" name="Connector: Elbow 126"/>
-          <p:cNvCxnSpPr>
-            <a:cxnSpLocks/>
-            <a:stCxn id="126" idx="6"/>
-            <a:endCxn id="121" idx="0"/>
-          </p:cNvCxnSpPr>
-          <p:nvPr/>
-        </p:nvCxnSpPr>
-        <p:spPr>
-          <a:xfrm>
-            <a:off x="1806152" y="2351499"/>
-            <a:ext cx="1014518" cy="178332"/>
-          </a:xfrm>
-          <a:prstGeom prst="bentConnector2">
-            <a:avLst/>
-          </a:prstGeom>
-          <a:ln w="12700">
-            <a:solidFill>
-              <a:srgbClr val="FF0000">
-                <a:alpha val="70000"/>
-              </a:srgbClr>
-            </a:solidFill>
-            <a:prstDash val="sysDash"/>
-            <a:round/>
-            <a:headEnd w="lg" len="med"/>
-            <a:tailEnd type="arrow"/>
-          </a:ln>
-        </p:spPr>
-        <p:style>
-          <a:lnRef idx="1">
-            <a:schemeClr val="accent1"/>
-          </a:lnRef>
-          <a:fillRef idx="0">
-            <a:schemeClr val="accent1"/>
-          </a:fillRef>
-          <a:effectRef idx="0">
-            <a:schemeClr val="accent1"/>
-          </a:effectRef>
-          <a:fontRef idx="minor">
-            <a:schemeClr val="tx1"/>
-          </a:fontRef>
-        </p:style>
-      </p:cxnSp>
-      <p:sp>
-        <p:nvSpPr>
-          <p:cNvPr id="130" name="Oval 129"/>
-          <p:cNvSpPr/>
-          <p:nvPr/>
-        </p:nvSpPr>
-        <p:spPr>
-          <a:xfrm>
-            <a:off x="1698152" y="2972546"/>
-            <a:ext cx="108000" cy="108000"/>
-          </a:xfrm>
-          <a:prstGeom prst="ellipse">
-            <a:avLst/>
-          </a:prstGeom>
-          <a:noFill/>
-          <a:ln>
-            <a:noFill/>
-          </a:ln>
-        </p:spPr>
-        <p:style>
-          <a:lnRef idx="2">
-            <a:schemeClr val="accent1">
-              <a:shade val="50000"/>
-            </a:schemeClr>
-          </a:lnRef>
-          <a:fillRef idx="1">
-            <a:schemeClr val="accent1"/>
-          </a:fillRef>
-          <a:effectRef idx="0">
-            <a:schemeClr val="accent1"/>
-          </a:effectRef>
-          <a:fontRef idx="minor">
-            <a:schemeClr val="lt1"/>
-          </a:fontRef>
-        </p:style>
-        <p:txBody>
-          <a:bodyPr rtlCol="0" anchor="ctr"/>
-          <a:lstStyle/>
-          <a:p>
-            <a:pPr algn="ctr"/>
-            <a:endParaRPr lang="en-US"/>
-          </a:p>
-        </p:txBody>
-      </p:sp>
-      <p:cxnSp>
-        <p:nvCxnSpPr>
-          <p:cNvPr id="131" name="Connector: Elbow 130"/>
-          <p:cNvCxnSpPr>
-            <a:cxnSpLocks/>
-            <a:stCxn id="130" idx="6"/>
-            <a:endCxn id="124" idx="0"/>
-          </p:cNvCxnSpPr>
-          <p:nvPr/>
-        </p:nvCxnSpPr>
-        <p:spPr>
-          <a:xfrm>
-            <a:off x="1806152" y="3026546"/>
-            <a:ext cx="987512" cy="582435"/>
-          </a:xfrm>
-          <a:prstGeom prst="bentConnector2">
-            <a:avLst/>
-          </a:prstGeom>
-          <a:ln w="12700">
-            <a:solidFill>
-              <a:srgbClr val="FF0000">
-                <a:alpha val="70000"/>
-              </a:srgbClr>
-            </a:solidFill>
-            <a:prstDash val="sysDash"/>
-            <a:round/>
-            <a:headEnd w="lg" len="med"/>
-            <a:tailEnd type="arrow"/>
-          </a:ln>
-        </p:spPr>
-        <p:style>
-          <a:lnRef idx="1">
-            <a:schemeClr val="accent1"/>
-          </a:lnRef>
-          <a:fillRef idx="0">
-            <a:schemeClr val="accent1"/>
-          </a:fillRef>
-          <a:effectRef idx="0">
-            <a:schemeClr val="accent1"/>
-          </a:effectRef>
-          <a:fontRef idx="minor">
-            <a:schemeClr val="tx1"/>
-          </a:fontRef>
-        </p:style>
-      </p:cxnSp>
-      <p:sp>
-        <p:nvSpPr>
-          <p:cNvPr id="11" name="TextBox 10"/>
-          <p:cNvSpPr txBox="1"/>
-          <p:nvPr/>
-        </p:nvSpPr>
-        <p:spPr>
-          <a:xfrm>
-            <a:off x="2482893" y="3181736"/>
-            <a:ext cx="800219" cy="338554"/>
-          </a:xfrm>
-          <a:prstGeom prst="rect">
-            <a:avLst/>
-          </a:prstGeom>
-          <a:noFill/>
-        </p:spPr>
-        <p:txBody>
-          <a:bodyPr wrap="square" rtlCol="0">
-            <a:spAutoFit/>
-          </a:bodyPr>
-          <a:lstStyle/>
-          <a:p>
-            <a:r>
-              <a:rPr lang="zh-CN" altLang="en-US" sz="1600" dirty="0">
-                <a:solidFill>
-                  <a:schemeClr val="bg1"/>
-                </a:solidFill>
-                <a:latin typeface="微软雅黑" panose="020B0503020204020204" pitchFamily="34" charset="-122"/>
-                <a:ea typeface="微软雅黑" panose="020B0503020204020204" pitchFamily="34" charset="-122"/>
-              </a:rPr>
-              <a:t>比特币</a:t>
-            </a:r>
-            <a:endParaRPr lang="en-US" sz="1600" dirty="0">
-              <a:solidFill>
-                <a:schemeClr val="bg1"/>
-              </a:solidFill>
-              <a:latin typeface="微软雅黑" panose="020B0503020204020204" pitchFamily="34" charset="-122"/>
-              <a:ea typeface="微软雅黑" panose="020B0503020204020204" pitchFamily="34" charset="-122"/>
-            </a:endParaRPr>
-          </a:p>
-        </p:txBody>
-      </p:sp>
-      <p:sp>
-        <p:nvSpPr>
-          <p:cNvPr id="19" name="TextBox 18"/>
-          <p:cNvSpPr txBox="1"/>
-          <p:nvPr/>
-        </p:nvSpPr>
-        <p:spPr>
-          <a:xfrm>
-            <a:off x="4972767" y="3181736"/>
-            <a:ext cx="800219" cy="338554"/>
-          </a:xfrm>
-          <a:prstGeom prst="rect">
-            <a:avLst/>
-          </a:prstGeom>
-          <a:noFill/>
-        </p:spPr>
-        <p:txBody>
-          <a:bodyPr wrap="square" rtlCol="0">
-            <a:spAutoFit/>
-          </a:bodyPr>
-          <a:lstStyle/>
-          <a:p>
-            <a:r>
-              <a:rPr lang="zh-CN" altLang="en-US" sz="1600" dirty="0">
-                <a:solidFill>
-                  <a:schemeClr val="bg1"/>
-                </a:solidFill>
-                <a:latin typeface="微软雅黑" panose="020B0503020204020204" pitchFamily="34" charset="-122"/>
-                <a:ea typeface="微软雅黑" panose="020B0503020204020204" pitchFamily="34" charset="-122"/>
-              </a:rPr>
-              <a:t>比特币</a:t>
-            </a:r>
-            <a:endParaRPr lang="en-US" sz="1600" dirty="0">
-              <a:solidFill>
-                <a:schemeClr val="bg1"/>
-              </a:solidFill>
-              <a:latin typeface="微软雅黑" panose="020B0503020204020204" pitchFamily="34" charset="-122"/>
-              <a:ea typeface="微软雅黑" panose="020B0503020204020204" pitchFamily="34" charset="-122"/>
-            </a:endParaRPr>
-          </a:p>
-        </p:txBody>
-      </p:sp>
-      <p:sp>
-        <p:nvSpPr>
-          <p:cNvPr id="95" name="TextBox 94"/>
-          <p:cNvSpPr txBox="1"/>
-          <p:nvPr/>
-        </p:nvSpPr>
-        <p:spPr>
-          <a:xfrm>
-            <a:off x="7689255" y="3181736"/>
-            <a:ext cx="800219" cy="338554"/>
-          </a:xfrm>
-          <a:prstGeom prst="rect">
-            <a:avLst/>
-          </a:prstGeom>
-          <a:noFill/>
-        </p:spPr>
-        <p:txBody>
-          <a:bodyPr wrap="square" rtlCol="0">
-            <a:spAutoFit/>
-          </a:bodyPr>
-          <a:lstStyle/>
-          <a:p>
-            <a:r>
-              <a:rPr lang="zh-CN" altLang="en-US" sz="1600" dirty="0">
-                <a:solidFill>
-                  <a:schemeClr val="bg1"/>
-                </a:solidFill>
-                <a:latin typeface="微软雅黑" panose="020B0503020204020204" pitchFamily="34" charset="-122"/>
-                <a:ea typeface="微软雅黑" panose="020B0503020204020204" pitchFamily="34" charset="-122"/>
-              </a:rPr>
-              <a:t>比特币</a:t>
-            </a:r>
-            <a:endParaRPr lang="en-US" sz="1600" dirty="0">
-              <a:solidFill>
-                <a:schemeClr val="bg1"/>
-              </a:solidFill>
-              <a:latin typeface="微软雅黑" panose="020B0503020204020204" pitchFamily="34" charset="-122"/>
-              <a:ea typeface="微软雅黑" panose="020B0503020204020204" pitchFamily="34" charset="-122"/>
-            </a:endParaRPr>
-          </a:p>
-        </p:txBody>
-      </p:sp>
-    </p:spTree>
-    <p:extLst>
-      <p:ext uri="{BB962C8B-B14F-4D97-AF65-F5344CB8AC3E}">
-        <p14:creationId xmlns:p14="http://schemas.microsoft.com/office/powerpoint/2010/main" val="2548188047"/>
-      </p:ext>
-    </p:extLst>
-  </p:cSld>
-  <p:clrMapOvr>
-    <a:masterClrMapping/>
-  </p:clrMapOvr>
-</p:sld>
-</file>
-
-<file path=ppt/slides/slide2.xml><?xml version="1.0" encoding="utf-8"?>
-<p:sld xmlns:a="http://schemas.openxmlformats.org/drawingml/2006/main" xmlns:r="http://schemas.openxmlformats.org/officeDocument/2006/relationships" xmlns:p="http://schemas.openxmlformats.org/presentationml/2006/main">
-  <p:cSld>
-    <p:spTree>
-      <p:nvGrpSpPr>
-        <p:cNvPr id="1" name=""/>
-        <p:cNvGrpSpPr/>
-        <p:nvPr/>
-      </p:nvGrpSpPr>
-      <p:grpSpPr>
-        <a:xfrm>
-          <a:off x="0" y="0"/>
-          <a:ext cx="0" cy="0"/>
-          <a:chOff x="0" y="0"/>
-          <a:chExt cx="0" cy="0"/>
-        </a:xfrm>
-      </p:grpSpPr>
       <p:grpSp>
         <p:nvGrpSpPr>
           <p:cNvPr id="119" name="Group 118"/>
@@ -5823,7 +2960,7 @@
         </p:nvGrpSpPr>
         <p:grpSpPr>
           <a:xfrm>
-            <a:off x="4046496" y="2124832"/>
+            <a:off x="5119158" y="3009925"/>
             <a:ext cx="2578396" cy="200855"/>
             <a:chOff x="4046496" y="2124832"/>
             <a:chExt cx="2578396" cy="200855"/>
@@ -6216,7 +3353,7 @@
         </p:nvGrpSpPr>
         <p:grpSpPr>
           <a:xfrm>
-            <a:off x="4997767" y="1195608"/>
+            <a:off x="6070429" y="2080701"/>
             <a:ext cx="920194" cy="230832"/>
             <a:chOff x="2496331" y="2868729"/>
             <a:chExt cx="920194" cy="230832"/>
@@ -6359,7 +3496,7 @@
         </p:nvGrpSpPr>
         <p:grpSpPr>
           <a:xfrm>
-            <a:off x="3200866" y="2979564"/>
+            <a:off x="4273528" y="3864657"/>
             <a:ext cx="3523333" cy="233505"/>
             <a:chOff x="1543531" y="1412034"/>
             <a:chExt cx="3523333" cy="233505"/>
@@ -6598,7 +3735,7 @@
         </p:nvSpPr>
         <p:spPr>
           <a:xfrm>
-            <a:off x="3155346" y="2114353"/>
+            <a:off x="4228008" y="2999446"/>
             <a:ext cx="894284" cy="230832"/>
           </a:xfrm>
           <a:prstGeom prst="rect">
@@ -6633,7 +3770,7 @@
         </p:nvCxnSpPr>
         <p:spPr>
           <a:xfrm>
-            <a:off x="6044371" y="2325687"/>
+            <a:off x="7117033" y="3210780"/>
             <a:ext cx="0" cy="260631"/>
           </a:xfrm>
           <a:prstGeom prst="straightConnector1">
@@ -6669,7 +3806,7 @@
         </p:nvGrpSpPr>
         <p:grpSpPr>
           <a:xfrm>
-            <a:off x="4208253" y="1688844"/>
+            <a:off x="5280915" y="2573937"/>
             <a:ext cx="1920081" cy="156595"/>
             <a:chOff x="4208253" y="1688844"/>
             <a:chExt cx="1920081" cy="156595"/>
@@ -6991,7 +4128,7 @@
         </p:nvSpPr>
         <p:spPr>
           <a:xfrm>
-            <a:off x="2963896" y="1657951"/>
+            <a:off x="4036558" y="2543044"/>
             <a:ext cx="1237326" cy="230832"/>
           </a:xfrm>
           <a:prstGeom prst="rect">
@@ -7024,7 +4161,7 @@
         </p:nvGrpSpPr>
         <p:grpSpPr>
           <a:xfrm>
-            <a:off x="5234247" y="2586064"/>
+            <a:off x="6306909" y="3471157"/>
             <a:ext cx="1405854" cy="156595"/>
             <a:chOff x="5234247" y="2586064"/>
             <a:chExt cx="1405854" cy="156595"/>
@@ -7232,7 +4369,7 @@
         </p:nvSpPr>
         <p:spPr>
           <a:xfrm>
-            <a:off x="3893579" y="2561033"/>
+            <a:off x="4966241" y="3446126"/>
             <a:ext cx="1341522" cy="230832"/>
           </a:xfrm>
           <a:prstGeom prst="rect">
@@ -7268,7 +4405,7 @@
         </p:nvCxnSpPr>
         <p:spPr>
           <a:xfrm flipV="1">
-            <a:off x="5079171" y="1859568"/>
+            <a:off x="6151833" y="2744661"/>
             <a:ext cx="0" cy="265264"/>
           </a:xfrm>
           <a:prstGeom prst="straightConnector1">
@@ -7306,7 +4443,7 @@
         </p:nvCxnSpPr>
         <p:spPr>
           <a:xfrm flipV="1">
-            <a:off x="5457035" y="1423579"/>
+            <a:off x="6529697" y="2308672"/>
             <a:ext cx="0" cy="265265"/>
           </a:xfrm>
           <a:prstGeom prst="straightConnector1">
@@ -7344,7 +4481,7 @@
         </p:nvCxnSpPr>
         <p:spPr>
           <a:xfrm>
-            <a:off x="6311071" y="2744787"/>
+            <a:off x="7383733" y="3629880"/>
             <a:ext cx="0" cy="260631"/>
           </a:xfrm>
           <a:prstGeom prst="straightConnector1">
@@ -7372,6 +4509,49 @@
           </a:fontRef>
         </p:style>
       </p:cxnSp>
+      <p:sp>
+        <p:nvSpPr>
+          <p:cNvPr id="37" name="TextBox 36"/>
+          <p:cNvSpPr txBox="1"/>
+          <p:nvPr/>
+        </p:nvSpPr>
+        <p:spPr>
+          <a:xfrm>
+            <a:off x="4851482" y="1213032"/>
+            <a:ext cx="2121093" cy="338554"/>
+          </a:xfrm>
+          <a:prstGeom prst="rect">
+            <a:avLst/>
+          </a:prstGeom>
+          <a:noFill/>
+        </p:spPr>
+        <p:txBody>
+          <a:bodyPr wrap="none" rtlCol="0">
+            <a:spAutoFit/>
+          </a:bodyPr>
+          <a:lstStyle/>
+          <a:p>
+            <a:r>
+              <a:rPr lang="en-US" sz="1600" dirty="0">
+                <a:latin typeface="微软雅黑" panose="020B0503020204020204" pitchFamily="34" charset="-122"/>
+                <a:ea typeface="微软雅黑" panose="020B0503020204020204" pitchFamily="34" charset="-122"/>
+              </a:rPr>
+              <a:t>Transaction</a:t>
+            </a:r>
+            <a:r>
+              <a:rPr lang="zh-CN" altLang="en-US" sz="1600" dirty="0">
+                <a:latin typeface="微软雅黑" panose="020B0503020204020204" pitchFamily="34" charset="-122"/>
+                <a:ea typeface="微软雅黑" panose="020B0503020204020204" pitchFamily="34" charset="-122"/>
+              </a:rPr>
+              <a:t>数据结构</a:t>
+            </a:r>
+            <a:endParaRPr lang="en-US" sz="1600" dirty="0">
+              <a:latin typeface="微软雅黑" panose="020B0503020204020204" pitchFamily="34" charset="-122"/>
+              <a:ea typeface="微软雅黑" panose="020B0503020204020204" pitchFamily="34" charset="-122"/>
+            </a:endParaRPr>
+          </a:p>
+        </p:txBody>
+      </p:sp>
     </p:spTree>
     <p:extLst>
       <p:ext uri="{BB962C8B-B14F-4D97-AF65-F5344CB8AC3E}">
